--- a/p5_kaloui-sanaa-presentation.pptx
+++ b/p5_kaloui-sanaa-presentation.pptx
@@ -203,7 +203,7 @@
             <a:fld id="{C4AB37EB-507D-44EF-B62B-0789B8689791}" type="datetimeFigureOut">
               <a:rPr lang="fr-FR" smtClean="0"/>
               <a:pPr/>
-              <a:t>16/10/2022</a:t>
+              <a:t>31/10/2022</a:t>
             </a:fld>
             <a:endParaRPr lang="fr-FR"/>
           </a:p>
@@ -522,7 +522,7 @@
     </p:spTree>
     <p:extLst>
       <p:ext uri="{BB962C8B-B14F-4D97-AF65-F5344CB8AC3E}">
-        <p14:creationId xmlns:p14="http://schemas.microsoft.com/office/powerpoint/2010/main" xmlns="" val="4275570066"/>
+        <p14:creationId xmlns="" xmlns:p14="http://schemas.microsoft.com/office/powerpoint/2010/main" val="4275570066"/>
       </p:ext>
     </p:extLst>
   </p:cSld>
@@ -1227,7 +1227,7 @@
             <a:fld id="{AA309A6D-C09C-4548-B29A-6CF363A7E532}" type="datetimeFigureOut">
               <a:rPr lang="fr-FR" smtClean="0"/>
               <a:pPr/>
-              <a:t>16/10/2022</a:t>
+              <a:t>31/10/2022</a:t>
             </a:fld>
             <a:endParaRPr lang="fr-BE"/>
           </a:p>
@@ -1394,7 +1394,7 @@
             <a:fld id="{AA309A6D-C09C-4548-B29A-6CF363A7E532}" type="datetimeFigureOut">
               <a:rPr lang="fr-FR" smtClean="0"/>
               <a:pPr/>
-              <a:t>16/10/2022</a:t>
+              <a:t>31/10/2022</a:t>
             </a:fld>
             <a:endParaRPr lang="fr-BE"/>
           </a:p>
@@ -1571,7 +1571,7 @@
             <a:fld id="{AA309A6D-C09C-4548-B29A-6CF363A7E532}" type="datetimeFigureOut">
               <a:rPr lang="fr-FR" smtClean="0"/>
               <a:pPr/>
-              <a:t>16/10/2022</a:t>
+              <a:t>31/10/2022</a:t>
             </a:fld>
             <a:endParaRPr lang="fr-BE"/>
           </a:p>
@@ -1658,7 +1658,7 @@
           <p:cNvPr id="19" name="Picture 18">
             <a:extLst>
               <a:ext uri="{FF2B5EF4-FFF2-40B4-BE49-F238E27FC236}">
-                <a16:creationId xmlns:a16="http://schemas.microsoft.com/office/drawing/2014/main" xmlns="" id="{C7EB5592-C2B2-0D43-9D50-9C28DF4DC07C}"/>
+                <a16:creationId xmlns="" xmlns:a16="http://schemas.microsoft.com/office/drawing/2014/main" id="{C7EB5592-C2B2-0D43-9D50-9C28DF4DC07C}"/>
               </a:ext>
             </a:extLst>
           </p:cNvPr>
@@ -1671,7 +1671,7 @@
           <a:blip r:embed="rId2" cstate="screen">
             <a:extLst>
               <a:ext uri="{28A0092B-C50C-407E-A947-70E740481C1C}">
-                <a14:useLocalDpi xmlns:a14="http://schemas.microsoft.com/office/drawing/2010/main" xmlns=""/>
+                <a14:useLocalDpi xmlns="" xmlns:a14="http://schemas.microsoft.com/office/drawing/2010/main"/>
               </a:ext>
             </a:extLst>
           </a:blip>
@@ -1694,7 +1694,7 @@
           <p:cNvPr id="25" name="Picture 24">
             <a:extLst>
               <a:ext uri="{FF2B5EF4-FFF2-40B4-BE49-F238E27FC236}">
-                <a16:creationId xmlns:a16="http://schemas.microsoft.com/office/drawing/2014/main" xmlns="" id="{53424396-1ABB-C24B-ACCA-76C9FDCCCAA7}"/>
+                <a16:creationId xmlns="" xmlns:a16="http://schemas.microsoft.com/office/drawing/2014/main" id="{53424396-1ABB-C24B-ACCA-76C9FDCCCAA7}"/>
               </a:ext>
             </a:extLst>
           </p:cNvPr>
@@ -1708,7 +1708,7 @@
             <a:alphaModFix amt="54000"/>
             <a:extLst>
               <a:ext uri="{28A0092B-C50C-407E-A947-70E740481C1C}">
-                <a14:useLocalDpi xmlns:a14="http://schemas.microsoft.com/office/drawing/2010/main" xmlns=""/>
+                <a14:useLocalDpi xmlns="" xmlns:a14="http://schemas.microsoft.com/office/drawing/2010/main"/>
               </a:ext>
             </a:extLst>
           </a:blip>
@@ -1731,7 +1731,7 @@
           <p:cNvPr id="24" name="Picture 23">
             <a:extLst>
               <a:ext uri="{FF2B5EF4-FFF2-40B4-BE49-F238E27FC236}">
-                <a16:creationId xmlns:a16="http://schemas.microsoft.com/office/drawing/2014/main" xmlns="" id="{3B317941-75AD-CC4C-B1BC-FD1266AD5043}"/>
+                <a16:creationId xmlns="" xmlns:a16="http://schemas.microsoft.com/office/drawing/2014/main" id="{3B317941-75AD-CC4C-B1BC-FD1266AD5043}"/>
               </a:ext>
             </a:extLst>
           </p:cNvPr>
@@ -1744,7 +1744,7 @@
           <a:blip r:embed="rId4" cstate="screen">
             <a:extLst>
               <a:ext uri="{28A0092B-C50C-407E-A947-70E740481C1C}">
-                <a14:useLocalDpi xmlns:a14="http://schemas.microsoft.com/office/drawing/2010/main" xmlns=""/>
+                <a14:useLocalDpi xmlns="" xmlns:a14="http://schemas.microsoft.com/office/drawing/2010/main"/>
               </a:ext>
             </a:extLst>
           </a:blip>
@@ -2113,7 +2113,7 @@
           <p:cNvPr id="15" name="pasted-image.pdf" descr="pasted-image.pdf">
             <a:extLst>
               <a:ext uri="{FF2B5EF4-FFF2-40B4-BE49-F238E27FC236}">
-                <a16:creationId xmlns:a16="http://schemas.microsoft.com/office/drawing/2014/main" xmlns="" id="{971614F3-74FA-1349-B1B6-B73CF0A93053}"/>
+                <a16:creationId xmlns="" xmlns:a16="http://schemas.microsoft.com/office/drawing/2014/main" id="{971614F3-74FA-1349-B1B6-B73CF0A93053}"/>
               </a:ext>
             </a:extLst>
           </p:cNvPr>
@@ -2126,7 +2126,7 @@
           <a:blip r:embed="rId5" cstate="screen">
             <a:extLst>
               <a:ext uri="{28A0092B-C50C-407E-A947-70E740481C1C}">
-                <a14:useLocalDpi xmlns:a14="http://schemas.microsoft.com/office/drawing/2010/main" xmlns=""/>
+                <a14:useLocalDpi xmlns="" xmlns:a14="http://schemas.microsoft.com/office/drawing/2010/main"/>
               </a:ext>
             </a:extLst>
           </a:blip>
@@ -2152,7 +2152,7 @@
           <p:cNvPr id="4" name="Group 3">
             <a:extLst>
               <a:ext uri="{FF2B5EF4-FFF2-40B4-BE49-F238E27FC236}">
-                <a16:creationId xmlns:a16="http://schemas.microsoft.com/office/drawing/2014/main" xmlns="" id="{DB7C485F-51EF-0247-93E1-C6C36D8B8023}"/>
+                <a16:creationId xmlns="" xmlns:a16="http://schemas.microsoft.com/office/drawing/2014/main" id="{DB7C485F-51EF-0247-93E1-C6C36D8B8023}"/>
               </a:ext>
             </a:extLst>
           </p:cNvPr>
@@ -2172,7 +2172,7 @@
             <p:cNvPr id="13" name="Picture 12">
               <a:extLst>
                 <a:ext uri="{FF2B5EF4-FFF2-40B4-BE49-F238E27FC236}">
-                  <a16:creationId xmlns:a16="http://schemas.microsoft.com/office/drawing/2014/main" xmlns="" id="{6C38969F-F9E0-964C-A2AB-502E26747B0F}"/>
+                  <a16:creationId xmlns="" xmlns:a16="http://schemas.microsoft.com/office/drawing/2014/main" id="{6C38969F-F9E0-964C-A2AB-502E26747B0F}"/>
                 </a:ext>
               </a:extLst>
             </p:cNvPr>
@@ -2186,7 +2186,7 @@
               <a:alphaModFix amt="54000"/>
               <a:extLst>
                 <a:ext uri="{28A0092B-C50C-407E-A947-70E740481C1C}">
-                  <a14:useLocalDpi xmlns:a14="http://schemas.microsoft.com/office/drawing/2010/main" xmlns=""/>
+                  <a14:useLocalDpi xmlns="" xmlns:a14="http://schemas.microsoft.com/office/drawing/2010/main"/>
                 </a:ext>
               </a:extLst>
             </a:blip>
@@ -2209,7 +2209,7 @@
             <p:cNvPr id="16" name="Picture 15">
               <a:extLst>
                 <a:ext uri="{FF2B5EF4-FFF2-40B4-BE49-F238E27FC236}">
-                  <a16:creationId xmlns:a16="http://schemas.microsoft.com/office/drawing/2014/main" xmlns="" id="{F24688C7-865E-8448-BF28-340C41DCF4B1}"/>
+                  <a16:creationId xmlns="" xmlns:a16="http://schemas.microsoft.com/office/drawing/2014/main" id="{F24688C7-865E-8448-BF28-340C41DCF4B1}"/>
                 </a:ext>
               </a:extLst>
             </p:cNvPr>
@@ -2223,7 +2223,7 @@
               <a:alphaModFix amt="54000"/>
               <a:extLst>
                 <a:ext uri="{28A0092B-C50C-407E-A947-70E740481C1C}">
-                  <a14:useLocalDpi xmlns:a14="http://schemas.microsoft.com/office/drawing/2010/main" xmlns=""/>
+                  <a14:useLocalDpi xmlns="" xmlns:a14="http://schemas.microsoft.com/office/drawing/2010/main"/>
                 </a:ext>
               </a:extLst>
             </a:blip>
@@ -2246,7 +2246,7 @@
             <p:cNvPr id="14" name="Picture 13">
               <a:extLst>
                 <a:ext uri="{FF2B5EF4-FFF2-40B4-BE49-F238E27FC236}">
-                  <a16:creationId xmlns:a16="http://schemas.microsoft.com/office/drawing/2014/main" xmlns="" id="{9E31BE27-20CA-A147-9D7E-63AE9203A4E2}"/>
+                  <a16:creationId xmlns="" xmlns:a16="http://schemas.microsoft.com/office/drawing/2014/main" id="{9E31BE27-20CA-A147-9D7E-63AE9203A4E2}"/>
                 </a:ext>
               </a:extLst>
             </p:cNvPr>
@@ -2259,7 +2259,7 @@
             <a:blip r:embed="rId7" cstate="screen">
               <a:extLst>
                 <a:ext uri="{28A0092B-C50C-407E-A947-70E740481C1C}">
-                  <a14:useLocalDpi xmlns:a14="http://schemas.microsoft.com/office/drawing/2010/main" xmlns=""/>
+                  <a14:useLocalDpi xmlns="" xmlns:a14="http://schemas.microsoft.com/office/drawing/2010/main"/>
                 </a:ext>
               </a:extLst>
             </a:blip>
@@ -2283,7 +2283,7 @@
           <p:cNvPr id="20" name="Picture 19">
             <a:extLst>
               <a:ext uri="{FF2B5EF4-FFF2-40B4-BE49-F238E27FC236}">
-                <a16:creationId xmlns:a16="http://schemas.microsoft.com/office/drawing/2014/main" xmlns="" id="{C20BF5AF-61F1-4348-BAA3-134001BC6AC8}"/>
+                <a16:creationId xmlns="" xmlns:a16="http://schemas.microsoft.com/office/drawing/2014/main" id="{C20BF5AF-61F1-4348-BAA3-134001BC6AC8}"/>
               </a:ext>
             </a:extLst>
           </p:cNvPr>
@@ -2297,7 +2297,7 @@
             <a:alphaModFix amt="54000"/>
             <a:extLst>
               <a:ext uri="{28A0092B-C50C-407E-A947-70E740481C1C}">
-                <a14:useLocalDpi xmlns:a14="http://schemas.microsoft.com/office/drawing/2010/main" xmlns=""/>
+                <a14:useLocalDpi xmlns="" xmlns:a14="http://schemas.microsoft.com/office/drawing/2010/main"/>
               </a:ext>
             </a:extLst>
           </a:blip>
@@ -2320,7 +2320,7 @@
           <p:cNvPr id="22" name="Picture 21">
             <a:extLst>
               <a:ext uri="{FF2B5EF4-FFF2-40B4-BE49-F238E27FC236}">
-                <a16:creationId xmlns:a16="http://schemas.microsoft.com/office/drawing/2014/main" xmlns="" id="{364051FF-B810-7F47-AD66-7FC738416232}"/>
+                <a16:creationId xmlns="" xmlns:a16="http://schemas.microsoft.com/office/drawing/2014/main" id="{364051FF-B810-7F47-AD66-7FC738416232}"/>
               </a:ext>
             </a:extLst>
           </p:cNvPr>
@@ -2334,7 +2334,7 @@
             <a:alphaModFix amt="22000"/>
             <a:extLst>
               <a:ext uri="{28A0092B-C50C-407E-A947-70E740481C1C}">
-                <a14:useLocalDpi xmlns:a14="http://schemas.microsoft.com/office/drawing/2010/main" xmlns=""/>
+                <a14:useLocalDpi xmlns="" xmlns:a14="http://schemas.microsoft.com/office/drawing/2010/main"/>
               </a:ext>
             </a:extLst>
           </a:blip>
@@ -2364,7 +2364,7 @@
           <p:cNvPr id="23" name="Picture 22" descr="Cloud-the-Goat---Grazing.png">
             <a:extLst>
               <a:ext uri="{FF2B5EF4-FFF2-40B4-BE49-F238E27FC236}">
-                <a16:creationId xmlns:a16="http://schemas.microsoft.com/office/drawing/2014/main" xmlns="" id="{B3F869A3-8172-374F-BC43-74EB11069E29}"/>
+                <a16:creationId xmlns="" xmlns:a16="http://schemas.microsoft.com/office/drawing/2014/main" id="{B3F869A3-8172-374F-BC43-74EB11069E29}"/>
               </a:ext>
             </a:extLst>
           </p:cNvPr>
@@ -2377,7 +2377,7 @@
           <a:blip r:embed="rId8" cstate="screen">
             <a:extLst>
               <a:ext uri="{28A0092B-C50C-407E-A947-70E740481C1C}">
-                <a14:useLocalDpi xmlns:a14="http://schemas.microsoft.com/office/drawing/2010/main" xmlns=""/>
+                <a14:useLocalDpi xmlns="" xmlns:a14="http://schemas.microsoft.com/office/drawing/2010/main"/>
               </a:ext>
             </a:extLst>
           </a:blip>
@@ -2400,7 +2400,7 @@
           <p:cNvPr id="26" name="Picture 25">
             <a:extLst>
               <a:ext uri="{FF2B5EF4-FFF2-40B4-BE49-F238E27FC236}">
-                <a16:creationId xmlns:a16="http://schemas.microsoft.com/office/drawing/2014/main" xmlns="" id="{AAA0F863-5ED9-BF47-9E43-9B5A7E5D55EA}"/>
+                <a16:creationId xmlns="" xmlns:a16="http://schemas.microsoft.com/office/drawing/2014/main" id="{AAA0F863-5ED9-BF47-9E43-9B5A7E5D55EA}"/>
               </a:ext>
             </a:extLst>
           </p:cNvPr>
@@ -2414,7 +2414,7 @@
             <a:alphaModFix amt="22000"/>
             <a:extLst>
               <a:ext uri="{28A0092B-C50C-407E-A947-70E740481C1C}">
-                <a14:useLocalDpi xmlns:a14="http://schemas.microsoft.com/office/drawing/2010/main" xmlns=""/>
+                <a14:useLocalDpi xmlns="" xmlns:a14="http://schemas.microsoft.com/office/drawing/2010/main"/>
               </a:ext>
             </a:extLst>
           </a:blip>
@@ -2444,7 +2444,7 @@
           <p:cNvPr id="21" name="Picture 20">
             <a:extLst>
               <a:ext uri="{FF2B5EF4-FFF2-40B4-BE49-F238E27FC236}">
-                <a16:creationId xmlns:a16="http://schemas.microsoft.com/office/drawing/2014/main" xmlns="" id="{4D07FE5E-A6AA-884E-A18B-3D6ED3F41826}"/>
+                <a16:creationId xmlns="" xmlns:a16="http://schemas.microsoft.com/office/drawing/2014/main" id="{4D07FE5E-A6AA-884E-A18B-3D6ED3F41826}"/>
               </a:ext>
             </a:extLst>
           </p:cNvPr>
@@ -2458,7 +2458,7 @@
             <a:alphaModFix amt="54000"/>
             <a:extLst>
               <a:ext uri="{28A0092B-C50C-407E-A947-70E740481C1C}">
-                <a14:useLocalDpi xmlns:a14="http://schemas.microsoft.com/office/drawing/2010/main" xmlns=""/>
+                <a14:useLocalDpi xmlns="" xmlns:a14="http://schemas.microsoft.com/office/drawing/2010/main"/>
               </a:ext>
             </a:extLst>
           </a:blip>
@@ -2481,7 +2481,7 @@
           <p:cNvPr id="7" name="Picture 6">
             <a:extLst>
               <a:ext uri="{FF2B5EF4-FFF2-40B4-BE49-F238E27FC236}">
-                <a16:creationId xmlns:a16="http://schemas.microsoft.com/office/drawing/2014/main" xmlns="" id="{4EDC2888-59E3-7440-9896-4A8645F97492}"/>
+                <a16:creationId xmlns="" xmlns:a16="http://schemas.microsoft.com/office/drawing/2014/main" id="{4EDC2888-59E3-7440-9896-4A8645F97492}"/>
               </a:ext>
             </a:extLst>
           </p:cNvPr>
@@ -2494,7 +2494,7 @@
           <a:blip r:embed="rId9" cstate="screen">
             <a:extLst>
               <a:ext uri="{28A0092B-C50C-407E-A947-70E740481C1C}">
-                <a14:useLocalDpi xmlns:a14="http://schemas.microsoft.com/office/drawing/2010/main" xmlns=""/>
+                <a14:useLocalDpi xmlns="" xmlns:a14="http://schemas.microsoft.com/office/drawing/2010/main"/>
               </a:ext>
             </a:extLst>
           </a:blip>
@@ -2515,7 +2515,7 @@
     </p:spTree>
     <p:extLst>
       <p:ext uri="{BB962C8B-B14F-4D97-AF65-F5344CB8AC3E}">
-        <p14:creationId xmlns:p14="http://schemas.microsoft.com/office/powerpoint/2010/main" xmlns="" val="3373851088"/>
+        <p14:creationId xmlns="" xmlns:p14="http://schemas.microsoft.com/office/powerpoint/2010/main" val="3373851088"/>
       </p:ext>
     </p:extLst>
   </p:cSld>
@@ -2550,7 +2550,7 @@
           <p:cNvPr id="19" name="Picture 18">
             <a:extLst>
               <a:ext uri="{FF2B5EF4-FFF2-40B4-BE49-F238E27FC236}">
-                <a16:creationId xmlns:a16="http://schemas.microsoft.com/office/drawing/2014/main" xmlns="" id="{C813E119-9FD7-D446-B03F-ED372D4DE5DA}"/>
+                <a16:creationId xmlns="" xmlns:a16="http://schemas.microsoft.com/office/drawing/2014/main" id="{C813E119-9FD7-D446-B03F-ED372D4DE5DA}"/>
               </a:ext>
             </a:extLst>
           </p:cNvPr>
@@ -2564,7 +2564,7 @@
             <a:alphaModFix amt="80000"/>
             <a:extLst>
               <a:ext uri="{28A0092B-C50C-407E-A947-70E740481C1C}">
-                <a14:useLocalDpi xmlns:a14="http://schemas.microsoft.com/office/drawing/2010/main" xmlns=""/>
+                <a14:useLocalDpi xmlns="" xmlns:a14="http://schemas.microsoft.com/office/drawing/2010/main"/>
               </a:ext>
             </a:extLst>
           </a:blip>
@@ -2767,7 +2767,7 @@
           <a:blip r:embed="rId3" cstate="screen">
             <a:extLst>
               <a:ext uri="{28A0092B-C50C-407E-A947-70E740481C1C}">
-                <a14:useLocalDpi xmlns:a14="http://schemas.microsoft.com/office/drawing/2010/main" xmlns=""/>
+                <a14:useLocalDpi xmlns="" xmlns:a14="http://schemas.microsoft.com/office/drawing/2010/main"/>
               </a:ext>
             </a:extLst>
           </a:blip>
@@ -2793,7 +2793,7 @@
           <p:cNvPr id="11" name="Footer Placeholder 3">
             <a:extLst>
               <a:ext uri="{FF2B5EF4-FFF2-40B4-BE49-F238E27FC236}">
-                <a16:creationId xmlns:a16="http://schemas.microsoft.com/office/drawing/2014/main" xmlns="" id="{D34182B3-BC83-574F-BEFD-A10EC2325B88}"/>
+                <a16:creationId xmlns="" xmlns:a16="http://schemas.microsoft.com/office/drawing/2014/main" id="{D34182B3-BC83-574F-BEFD-A10EC2325B88}"/>
               </a:ext>
             </a:extLst>
           </p:cNvPr>
@@ -2843,7 +2843,7 @@
           <p:cNvPr id="2" name="Title 1">
             <a:extLst>
               <a:ext uri="{FF2B5EF4-FFF2-40B4-BE49-F238E27FC236}">
-                <a16:creationId xmlns:a16="http://schemas.microsoft.com/office/drawing/2014/main" xmlns="" id="{5ADE0D96-7C21-4589-BD0C-0F1AC3C6C7E7}"/>
+                <a16:creationId xmlns="" xmlns:a16="http://schemas.microsoft.com/office/drawing/2014/main" id="{5ADE0D96-7C21-4589-BD0C-0F1AC3C6C7E7}"/>
               </a:ext>
             </a:extLst>
           </p:cNvPr>
@@ -2870,7 +2870,7 @@
     </p:spTree>
     <p:extLst>
       <p:ext uri="{BB962C8B-B14F-4D97-AF65-F5344CB8AC3E}">
-        <p14:creationId xmlns:p14="http://schemas.microsoft.com/office/powerpoint/2010/main" xmlns="" val="2681145133"/>
+        <p14:creationId xmlns="" xmlns:p14="http://schemas.microsoft.com/office/powerpoint/2010/main" val="2681145133"/>
       </p:ext>
     </p:extLst>
   </p:cSld>
@@ -2924,7 +2924,7 @@
           <p:cNvPr id="5" name="Google Shape;362;p55">
             <a:extLst>
               <a:ext uri="{FF2B5EF4-FFF2-40B4-BE49-F238E27FC236}">
-                <a16:creationId xmlns="" xmlns:a16="http://schemas.microsoft.com/office/drawing/2014/main" id="{B194211E-B6CF-124C-A97F-843FC114B6E9}"/>
+                <a16:creationId xmlns:a16="http://schemas.microsoft.com/office/drawing/2014/main" xmlns="" id="{B194211E-B6CF-124C-A97F-843FC114B6E9}"/>
               </a:ext>
             </a:extLst>
           </p:cNvPr>
@@ -2936,7 +2936,7 @@
             <a:alphaModFix/>
             <a:extLst>
               <a:ext uri="{28A0092B-C50C-407E-A947-70E740481C1C}">
-                <a14:useLocalDpi xmlns="" xmlns:a14="http://schemas.microsoft.com/office/drawing/2010/main"/>
+                <a14:useLocalDpi xmlns:a14="http://schemas.microsoft.com/office/drawing/2010/main" xmlns=""/>
               </a:ext>
             </a:extLst>
           </a:blip>
@@ -2969,7 +2969,7 @@
           <a:blip r:embed="rId3" cstate="screen">
             <a:extLst>
               <a:ext uri="{28A0092B-C50C-407E-A947-70E740481C1C}">
-                <a14:useLocalDpi xmlns="" xmlns:a14="http://schemas.microsoft.com/office/drawing/2010/main"/>
+                <a14:useLocalDpi xmlns:a14="http://schemas.microsoft.com/office/drawing/2010/main" xmlns=""/>
               </a:ext>
             </a:extLst>
           </a:blip>
@@ -2992,7 +2992,7 @@
           <p:cNvPr id="4" name="Picture 3">
             <a:extLst>
               <a:ext uri="{FF2B5EF4-FFF2-40B4-BE49-F238E27FC236}">
-                <a16:creationId xmlns="" xmlns:a16="http://schemas.microsoft.com/office/drawing/2014/main" id="{CF2E9877-22A5-7E47-ACD2-1589BC5FEB7B}"/>
+                <a16:creationId xmlns:a16="http://schemas.microsoft.com/office/drawing/2014/main" xmlns="" id="{CF2E9877-22A5-7E47-ACD2-1589BC5FEB7B}"/>
               </a:ext>
             </a:extLst>
           </p:cNvPr>
@@ -3020,7 +3020,7 @@
     </p:spTree>
     <p:extLst>
       <p:ext uri="{BB962C8B-B14F-4D97-AF65-F5344CB8AC3E}">
-        <p14:creationId xmlns="" xmlns:p14="http://schemas.microsoft.com/office/powerpoint/2010/main" val="3956320057"/>
+        <p14:creationId xmlns:p14="http://schemas.microsoft.com/office/powerpoint/2010/main" xmlns="" val="3956320057"/>
       </p:ext>
     </p:extLst>
   </p:cSld>
@@ -3143,7 +3143,7 @@
             <a:fld id="{AA309A6D-C09C-4548-B29A-6CF363A7E532}" type="datetimeFigureOut">
               <a:rPr lang="fr-FR" smtClean="0"/>
               <a:pPr/>
-              <a:t>16/10/2022</a:t>
+              <a:t>31/10/2022</a:t>
             </a:fld>
             <a:endParaRPr lang="fr-BE"/>
           </a:p>
@@ -3386,7 +3386,7 @@
             <a:fld id="{AA309A6D-C09C-4548-B29A-6CF363A7E532}" type="datetimeFigureOut">
               <a:rPr lang="fr-FR" smtClean="0"/>
               <a:pPr/>
-              <a:t>16/10/2022</a:t>
+              <a:t>31/10/2022</a:t>
             </a:fld>
             <a:endParaRPr lang="fr-BE"/>
           </a:p>
@@ -3671,7 +3671,7 @@
             <a:fld id="{AA309A6D-C09C-4548-B29A-6CF363A7E532}" type="datetimeFigureOut">
               <a:rPr lang="fr-FR" smtClean="0"/>
               <a:pPr/>
-              <a:t>16/10/2022</a:t>
+              <a:t>31/10/2022</a:t>
             </a:fld>
             <a:endParaRPr lang="fr-BE"/>
           </a:p>
@@ -4090,7 +4090,7 @@
             <a:fld id="{AA309A6D-C09C-4548-B29A-6CF363A7E532}" type="datetimeFigureOut">
               <a:rPr lang="fr-FR" smtClean="0"/>
               <a:pPr/>
-              <a:t>16/10/2022</a:t>
+              <a:t>31/10/2022</a:t>
             </a:fld>
             <a:endParaRPr lang="fr-BE"/>
           </a:p>
@@ -4205,7 +4205,7 @@
             <a:fld id="{AA309A6D-C09C-4548-B29A-6CF363A7E532}" type="datetimeFigureOut">
               <a:rPr lang="fr-FR" smtClean="0"/>
               <a:pPr/>
-              <a:t>16/10/2022</a:t>
+              <a:t>31/10/2022</a:t>
             </a:fld>
             <a:endParaRPr lang="fr-BE"/>
           </a:p>
@@ -4297,7 +4297,7 @@
             <a:fld id="{AA309A6D-C09C-4548-B29A-6CF363A7E532}" type="datetimeFigureOut">
               <a:rPr lang="fr-FR" smtClean="0"/>
               <a:pPr/>
-              <a:t>16/10/2022</a:t>
+              <a:t>31/10/2022</a:t>
             </a:fld>
             <a:endParaRPr lang="fr-BE"/>
           </a:p>
@@ -4571,7 +4571,7 @@
             <a:fld id="{AA309A6D-C09C-4548-B29A-6CF363A7E532}" type="datetimeFigureOut">
               <a:rPr lang="fr-FR" smtClean="0"/>
               <a:pPr/>
-              <a:t>16/10/2022</a:t>
+              <a:t>31/10/2022</a:t>
             </a:fld>
             <a:endParaRPr lang="fr-BE"/>
           </a:p>
@@ -4821,7 +4821,7 @@
             <a:fld id="{AA309A6D-C09C-4548-B29A-6CF363A7E532}" type="datetimeFigureOut">
               <a:rPr lang="fr-FR" smtClean="0"/>
               <a:pPr/>
-              <a:t>16/10/2022</a:t>
+              <a:t>31/10/2022</a:t>
             </a:fld>
             <a:endParaRPr lang="fr-BE"/>
           </a:p>
@@ -5031,7 +5031,7 @@
             <a:fld id="{AA309A6D-C09C-4548-B29A-6CF363A7E532}" type="datetimeFigureOut">
               <a:rPr lang="fr-FR" smtClean="0"/>
               <a:pPr/>
-              <a:t>16/10/2022</a:t>
+              <a:t>31/10/2022</a:t>
             </a:fld>
             <a:endParaRPr lang="fr-BE"/>
           </a:p>
@@ -5710,7 +5710,7 @@
     </p:spTree>
     <p:extLst>
       <p:ext uri="{BB962C8B-B14F-4D97-AF65-F5344CB8AC3E}">
-        <p14:creationId xmlns:p14="http://schemas.microsoft.com/office/powerpoint/2010/main" xmlns="" val="1452348287"/>
+        <p14:creationId xmlns="" xmlns:p14="http://schemas.microsoft.com/office/powerpoint/2010/main" val="1452348287"/>
       </p:ext>
     </p:extLst>
   </p:cSld>
@@ -5945,7 +5945,33 @@
                 <a:ea typeface="ＭＳ Ｐゴシック" charset="0"/>
                 <a:cs typeface="Calibri" pitchFamily="34" charset="0"/>
               </a:rPr>
-              <a:t>Jai pu apprendre et maitriser a travers ce projet  , les fondamentaux du testing en Java:</a:t>
+              <a:t>Jai pu apprendre et maitriser a travers ce projet </a:t>
+            </a:r>
+            <a:r>
+              <a:rPr lang="fr-FR" sz="2400" dirty="0" smtClean="0">
+                <a:solidFill>
+                  <a:schemeClr val="accent1">
+                    <a:lumMod val="75000"/>
+                  </a:schemeClr>
+                </a:solidFill>
+                <a:latin typeface="Centaur" pitchFamily="18" charset="0"/>
+                <a:ea typeface="ＭＳ Ｐゴシック" charset="0"/>
+                <a:cs typeface="Calibri" pitchFamily="34" charset="0"/>
+              </a:rPr>
+              <a:t>les </a:t>
+            </a:r>
+            <a:r>
+              <a:rPr lang="fr-FR" sz="2400" dirty="0" smtClean="0">
+                <a:solidFill>
+                  <a:schemeClr val="accent1">
+                    <a:lumMod val="75000"/>
+                  </a:schemeClr>
+                </a:solidFill>
+                <a:latin typeface="Centaur" pitchFamily="18" charset="0"/>
+                <a:ea typeface="ＭＳ Ｐゴシック" charset="0"/>
+                <a:cs typeface="Calibri" pitchFamily="34" charset="0"/>
+              </a:rPr>
+              <a:t>fondamentaux du testing en Java:</a:t>
             </a:r>
           </a:p>
           <a:p>
@@ -6082,7 +6108,7 @@
     </p:spTree>
     <p:extLst>
       <p:ext uri="{BB962C8B-B14F-4D97-AF65-F5344CB8AC3E}">
-        <p14:creationId xmlns="" xmlns:p14="http://schemas.microsoft.com/office/powerpoint/2010/main" val="4166242014"/>
+        <p14:creationId xmlns:p14="http://schemas.microsoft.com/office/powerpoint/2010/main" xmlns="" val="4166242014"/>
       </p:ext>
     </p:extLst>
   </p:cSld>
@@ -6252,6 +6278,7 @@
           </a:bodyPr>
           <a:lstStyle/>
           <a:p>
+            <a:pPr algn="just"/>
             <a:r>
               <a:rPr lang="fr-FR" sz="2000" dirty="0" smtClean="0">
                 <a:solidFill>
@@ -6263,36 +6290,11 @@
                 <a:ea typeface="Cambria" pitchFamily="18" charset="0"/>
                 <a:cs typeface="Times New Roman" pitchFamily="18" charset="0"/>
               </a:rPr>
-              <a:t>Le but d'un test </a:t>
-            </a:r>
-            <a:r>
-              <a:rPr lang="fr-FR" sz="2000" smtClean="0">
-                <a:solidFill>
-                  <a:schemeClr val="accent1">
-                    <a:lumMod val="75000"/>
-                  </a:schemeClr>
-                </a:solidFill>
-                <a:latin typeface="Century" pitchFamily="18" charset="0"/>
-                <a:ea typeface="Cambria" pitchFamily="18" charset="0"/>
-                <a:cs typeface="Times New Roman" pitchFamily="18" charset="0"/>
-              </a:rPr>
-              <a:t>en programmation  </a:t>
-            </a:r>
-            <a:r>
-              <a:rPr lang="fr-FR" sz="2000" dirty="0" smtClean="0">
-                <a:solidFill>
-                  <a:schemeClr val="accent1">
-                    <a:lumMod val="75000"/>
-                  </a:schemeClr>
-                </a:solidFill>
-                <a:latin typeface="Century" pitchFamily="18" charset="0"/>
-                <a:ea typeface="Cambria" pitchFamily="18" charset="0"/>
-                <a:cs typeface="Times New Roman" pitchFamily="18" charset="0"/>
-              </a:rPr>
-              <a:t>est de vérifier qu'une fonctionnalité fait ce que l'on attend d'elle.</a:t>
-            </a:r>
-          </a:p>
-          <a:p>
+              <a:t>Le but d'un test en programmation  est de vérifier qu'une fonctionnalité fait ce que l'on attend d'elle.</a:t>
+            </a:r>
+          </a:p>
+          <a:p>
+            <a:pPr algn="just"/>
             <a:endParaRPr lang="fr-FR" sz="2000" dirty="0" smtClean="0">
               <a:solidFill>
                 <a:schemeClr val="accent1">
@@ -6305,6 +6307,7 @@
             </a:endParaRPr>
           </a:p>
           <a:p>
+            <a:pPr algn="just"/>
             <a:r>
               <a:rPr lang="fr-FR" sz="2000" dirty="0" smtClean="0">
                 <a:solidFill>
@@ -6316,10 +6319,63 @@
                 <a:ea typeface="Cambria" pitchFamily="18" charset="0"/>
                 <a:cs typeface="Times New Roman" pitchFamily="18" charset="0"/>
               </a:rPr>
-              <a:t>les tests d'une application sont une phase très importante dans les cycles de  développement et de maintenance d'une application.</a:t>
-            </a:r>
-          </a:p>
-          <a:p>
+              <a:t>L</a:t>
+            </a:r>
+            <a:r>
+              <a:rPr lang="fr-FR" sz="2000" dirty="0" smtClean="0">
+                <a:solidFill>
+                  <a:schemeClr val="accent1">
+                    <a:lumMod val="75000"/>
+                  </a:schemeClr>
+                </a:solidFill>
+                <a:latin typeface="Century" pitchFamily="18" charset="0"/>
+                <a:ea typeface="Cambria" pitchFamily="18" charset="0"/>
+                <a:cs typeface="Times New Roman" pitchFamily="18" charset="0"/>
+              </a:rPr>
+              <a:t>es </a:t>
+            </a:r>
+            <a:r>
+              <a:rPr lang="fr-FR" sz="2000" dirty="0" smtClean="0">
+                <a:solidFill>
+                  <a:schemeClr val="accent1">
+                    <a:lumMod val="75000"/>
+                  </a:schemeClr>
+                </a:solidFill>
+                <a:latin typeface="Century" pitchFamily="18" charset="0"/>
+                <a:ea typeface="Cambria" pitchFamily="18" charset="0"/>
+                <a:cs typeface="Times New Roman" pitchFamily="18" charset="0"/>
+              </a:rPr>
+              <a:t>tests d'une application sont une phase très importante dans les cycles de  développement et de maintenance </a:t>
+            </a:r>
+            <a:r>
+              <a:rPr lang="fr-FR" sz="2000" dirty="0" smtClean="0">
+                <a:solidFill>
+                  <a:schemeClr val="accent1">
+                    <a:lumMod val="75000"/>
+                  </a:schemeClr>
+                </a:solidFill>
+                <a:latin typeface="Century" pitchFamily="18" charset="0"/>
+                <a:ea typeface="Cambria" pitchFamily="18" charset="0"/>
+                <a:cs typeface="Times New Roman" pitchFamily="18" charset="0"/>
+              </a:rPr>
+              <a:t>de l’application</a:t>
+            </a:r>
+            <a:r>
+              <a:rPr lang="fr-FR" sz="2000" dirty="0" smtClean="0">
+                <a:solidFill>
+                  <a:schemeClr val="accent1">
+                    <a:lumMod val="75000"/>
+                  </a:schemeClr>
+                </a:solidFill>
+                <a:latin typeface="Century" pitchFamily="18" charset="0"/>
+                <a:ea typeface="Cambria" pitchFamily="18" charset="0"/>
+                <a:cs typeface="Times New Roman" pitchFamily="18" charset="0"/>
+              </a:rPr>
+              <a:t>.</a:t>
+            </a:r>
+          </a:p>
+          <a:p>
+            <a:pPr algn="just"/>
             <a:endParaRPr lang="fr-FR" sz="2000" dirty="0" smtClean="0">
               <a:solidFill>
                 <a:schemeClr val="accent1">
@@ -6332,6 +6388,7 @@
             </a:endParaRPr>
           </a:p>
           <a:p>
+            <a:pPr algn="just"/>
             <a:r>
               <a:rPr lang="fr-FR" sz="2000" dirty="0" smtClean="0">
                 <a:solidFill>
@@ -6347,6 +6404,7 @@
             </a:r>
           </a:p>
           <a:p>
+            <a:pPr algn="just"/>
             <a:endParaRPr lang="fr-FR" sz="2000" dirty="0" smtClean="0">
               <a:solidFill>
                 <a:schemeClr val="accent1">
@@ -6359,6 +6417,7 @@
             </a:endParaRPr>
           </a:p>
           <a:p>
+            <a:pPr algn="just"/>
             <a:r>
               <a:rPr lang="fr-FR" sz="2000" dirty="0" smtClean="0">
                 <a:solidFill>
@@ -6374,6 +6433,7 @@
             </a:r>
           </a:p>
           <a:p>
+            <a:pPr algn="just"/>
             <a:endParaRPr lang="fr-FR" sz="2000" dirty="0" smtClean="0">
               <a:solidFill>
                 <a:schemeClr val="accent1">
@@ -6386,6 +6446,7 @@
             </a:endParaRPr>
           </a:p>
           <a:p>
+            <a:pPr algn="just"/>
             <a:r>
               <a:rPr lang="fr-FR" sz="2000" dirty="0" smtClean="0">
                 <a:solidFill>
@@ -6461,6 +6522,7 @@
           </a:bodyPr>
           <a:lstStyle/>
           <a:p>
+            <a:pPr algn="just"/>
             <a:r>
               <a:rPr lang="fr-FR" sz="2000" dirty="0" smtClean="0">
                 <a:solidFill>
@@ -6472,10 +6534,53 @@
                 <a:ea typeface="Cambria" pitchFamily="18" charset="0"/>
                 <a:cs typeface="Times New Roman" pitchFamily="18" charset="0"/>
               </a:rPr>
-              <a:t>Un test unitaire permet de tester le bon fonctionnement d’une partie précise et ciblée d’un programme. Il permet de vérifier que le comportement d’une application est correct. </a:t>
-            </a:r>
-          </a:p>
-          <a:p>
+              <a:t>Un test unitaire permet de tester le bon fonctionnement d’une partie précise et ciblée d’un programme</a:t>
+            </a:r>
+            <a:r>
+              <a:rPr lang="fr-FR" sz="2000" dirty="0" smtClean="0">
+                <a:solidFill>
+                  <a:schemeClr val="accent1">
+                    <a:lumMod val="75000"/>
+                  </a:schemeClr>
+                </a:solidFill>
+                <a:latin typeface="Century" pitchFamily="18" charset="0"/>
+                <a:ea typeface="Cambria" pitchFamily="18" charset="0"/>
+                <a:cs typeface="Times New Roman" pitchFamily="18" charset="0"/>
+              </a:rPr>
+              <a:t>.</a:t>
+            </a:r>
+          </a:p>
+          <a:p>
+            <a:pPr algn="just"/>
+            <a:r>
+              <a:rPr lang="fr-FR" sz="2000" dirty="0" smtClean="0">
+                <a:solidFill>
+                  <a:schemeClr val="accent1">
+                    <a:lumMod val="75000"/>
+                  </a:schemeClr>
+                </a:solidFill>
+                <a:latin typeface="Century" pitchFamily="18" charset="0"/>
+                <a:ea typeface="Cambria" pitchFamily="18" charset="0"/>
+                <a:cs typeface="Times New Roman" pitchFamily="18" charset="0"/>
+              </a:rPr>
+              <a:t> </a:t>
+            </a:r>
+            <a:r>
+              <a:rPr lang="fr-FR" sz="2000" dirty="0" smtClean="0">
+                <a:solidFill>
+                  <a:schemeClr val="accent1">
+                    <a:lumMod val="75000"/>
+                  </a:schemeClr>
+                </a:solidFill>
+                <a:latin typeface="Century" pitchFamily="18" charset="0"/>
+                <a:ea typeface="Cambria" pitchFamily="18" charset="0"/>
+                <a:cs typeface="Times New Roman" pitchFamily="18" charset="0"/>
+              </a:rPr>
+              <a:t>Il permet de vérifier que le comportement d’une application est correct. </a:t>
+            </a:r>
+          </a:p>
+          <a:p>
+            <a:pPr algn="just"/>
             <a:endParaRPr lang="fr-FR" sz="2000" dirty="0" smtClean="0">
               <a:solidFill>
                 <a:schemeClr val="accent1">
@@ -6488,7 +6593,7 @@
             </a:endParaRPr>
           </a:p>
           <a:p>
-            <a:pPr lvl="2">
+            <a:pPr lvl="2" algn="just">
               <a:buFont typeface="Arial" pitchFamily="34" charset="0"/>
               <a:buChar char="•"/>
             </a:pPr>
@@ -6507,6 +6612,7 @@
             </a:r>
           </a:p>
           <a:p>
+            <a:pPr algn="just"/>
             <a:endParaRPr lang="fr-FR" sz="2000" dirty="0" smtClean="0">
               <a:solidFill>
                 <a:schemeClr val="accent1">
@@ -6519,7 +6625,7 @@
             </a:endParaRPr>
           </a:p>
           <a:p>
-            <a:pPr lvl="2">
+            <a:pPr lvl="2" algn="just">
               <a:buFont typeface="Arial" pitchFamily="34" charset="0"/>
               <a:buChar char="•"/>
             </a:pPr>
@@ -6538,6 +6644,7 @@
             </a:r>
           </a:p>
           <a:p>
+            <a:pPr algn="just"/>
             <a:endParaRPr lang="fr-FR" sz="2000" dirty="0" smtClean="0">
               <a:solidFill>
                 <a:schemeClr val="accent1">
@@ -6550,7 +6657,7 @@
             </a:endParaRPr>
           </a:p>
           <a:p>
-            <a:pPr lvl="2">
+            <a:pPr lvl="2" algn="just">
               <a:buFont typeface="Arial" pitchFamily="34" charset="0"/>
               <a:buChar char="•"/>
             </a:pPr>
@@ -6701,6 +6808,7 @@
           </a:bodyPr>
           <a:lstStyle/>
           <a:p>
+            <a:pPr algn="just"/>
             <a:r>
               <a:rPr lang="fr-FR" sz="2000" dirty="0" smtClean="0">
                 <a:solidFill>
@@ -6712,37 +6820,11 @@
                 <a:ea typeface="Cambria" pitchFamily="18" charset="0"/>
                 <a:cs typeface="Times New Roman" pitchFamily="18" charset="0"/>
               </a:rPr>
-              <a:t>     </a:t>
-            </a:r>
-            <a:r>
-              <a:rPr lang="fr-FR" sz="2000" dirty="0" smtClean="0">
-                <a:solidFill>
-                  <a:schemeClr val="accent1">
-                    <a:lumMod val="75000"/>
-                  </a:schemeClr>
-                </a:solidFill>
-                <a:latin typeface="Century" pitchFamily="18" charset="0"/>
-                <a:ea typeface="Cambria" pitchFamily="18" charset="0"/>
-                <a:cs typeface="Times New Roman" pitchFamily="18" charset="0"/>
-              </a:rPr>
-              <a:t>Il y’a </a:t>
-            </a:r>
-            <a:r>
-              <a:rPr lang="fr-FR" sz="2000" dirty="0" smtClean="0">
-                <a:solidFill>
-                  <a:schemeClr val="accent1">
-                    <a:lumMod val="75000"/>
-                  </a:schemeClr>
-                </a:solidFill>
-                <a:latin typeface="Century" pitchFamily="18" charset="0"/>
-                <a:ea typeface="Cambria" pitchFamily="18" charset="0"/>
-                <a:cs typeface="Times New Roman" pitchFamily="18" charset="0"/>
-              </a:rPr>
-              <a:t>deux types de tests d intégration:</a:t>
-            </a:r>
-          </a:p>
-          <a:p>
-            <a:pPr algn="ctr"/>
+              <a:t>     Il y’a deux types de tests d intégration:</a:t>
+            </a:r>
+          </a:p>
+          <a:p>
+            <a:pPr algn="just"/>
             <a:endParaRPr lang="fr-FR" sz="2000" dirty="0" smtClean="0">
               <a:solidFill>
                 <a:schemeClr val="accent1">
@@ -6755,7 +6837,7 @@
             </a:endParaRPr>
           </a:p>
           <a:p>
-            <a:pPr lvl="2">
+            <a:pPr lvl="2" algn="just">
               <a:buFont typeface="Arial" pitchFamily="34" charset="0"/>
               <a:buChar char="•"/>
             </a:pPr>
@@ -6774,7 +6856,7 @@
             </a:r>
           </a:p>
           <a:p>
-            <a:pPr algn="ctr"/>
+            <a:pPr algn="just"/>
             <a:endParaRPr lang="fr-FR" sz="2000" dirty="0" smtClean="0">
               <a:solidFill>
                 <a:schemeClr val="accent1">
@@ -6787,7 +6869,7 @@
             </a:endParaRPr>
           </a:p>
           <a:p>
-            <a:pPr lvl="2">
+            <a:pPr lvl="2" algn="just">
               <a:buFont typeface="Arial" pitchFamily="34" charset="0"/>
               <a:buChar char="•"/>
             </a:pPr>
@@ -7046,7 +7128,33 @@
                 <a:ea typeface="Cambria" pitchFamily="18" charset="0"/>
                 <a:cs typeface="Times New Roman" pitchFamily="18" charset="0"/>
               </a:rPr>
-              <a:t>tests fonctionnels, de régression, de performance ,de bout en bout </a:t>
+              <a:t>T</a:t>
+            </a:r>
+            <a:r>
+              <a:rPr lang="fr-FR" sz="2000" dirty="0" smtClean="0">
+                <a:solidFill>
+                  <a:schemeClr val="accent1">
+                    <a:lumMod val="75000"/>
+                  </a:schemeClr>
+                </a:solidFill>
+                <a:latin typeface="Century" pitchFamily="18" charset="0"/>
+                <a:ea typeface="Cambria" pitchFamily="18" charset="0"/>
+                <a:cs typeface="Times New Roman" pitchFamily="18" charset="0"/>
+              </a:rPr>
+              <a:t>ests </a:t>
+            </a:r>
+            <a:r>
+              <a:rPr lang="fr-FR" sz="2000" dirty="0" smtClean="0">
+                <a:solidFill>
+                  <a:schemeClr val="accent1">
+                    <a:lumMod val="75000"/>
+                  </a:schemeClr>
+                </a:solidFill>
+                <a:latin typeface="Century" pitchFamily="18" charset="0"/>
+                <a:ea typeface="Cambria" pitchFamily="18" charset="0"/>
+                <a:cs typeface="Times New Roman" pitchFamily="18" charset="0"/>
+              </a:rPr>
+              <a:t>fonctionnels, de régression, de performance ,de bout en bout </a:t>
             </a:r>
           </a:p>
           <a:p>
@@ -7137,33 +7245,7 @@
                 <a:ea typeface="Cambria" pitchFamily="18" charset="0"/>
                 <a:cs typeface="Times New Roman" pitchFamily="18" charset="0"/>
               </a:rPr>
-              <a:t>  JUnit est un Framework </a:t>
-            </a:r>
-            <a:r>
-              <a:rPr lang="fr-FR" sz="2000" smtClean="0">
-                <a:solidFill>
-                  <a:schemeClr val="accent1">
-                    <a:lumMod val="75000"/>
-                  </a:schemeClr>
-                </a:solidFill>
-                <a:latin typeface="Century" pitchFamily="18" charset="0"/>
-                <a:ea typeface="Cambria" pitchFamily="18" charset="0"/>
-                <a:cs typeface="Times New Roman" pitchFamily="18" charset="0"/>
-              </a:rPr>
-              <a:t>qui permet </a:t>
-            </a:r>
-            <a:r>
-              <a:rPr lang="fr-FR" sz="2000" dirty="0" smtClean="0">
-                <a:solidFill>
-                  <a:schemeClr val="accent1">
-                    <a:lumMod val="75000"/>
-                  </a:schemeClr>
-                </a:solidFill>
-                <a:latin typeface="Century" pitchFamily="18" charset="0"/>
-                <a:ea typeface="Cambria" pitchFamily="18" charset="0"/>
-                <a:cs typeface="Times New Roman" pitchFamily="18" charset="0"/>
-              </a:rPr>
-              <a:t>l'écriture et                          l'exécution de tests automatisés.</a:t>
+              <a:t>  JUnit est un Framework qui permet l'écriture et                          l'exécution de tests automatisés.</a:t>
             </a:r>
           </a:p>
           <a:p>
@@ -7278,7 +7360,111 @@
                 <a:ea typeface="Cambria" pitchFamily="18" charset="0"/>
                 <a:cs typeface="Times New Roman" pitchFamily="18" charset="0"/>
               </a:rPr>
-              <a:t>le Framework Mockito qui s'interfacent avec JUnit et qui permet, entre autres, de faire des assertions sur des appels de méthodes et leurs arguments sans pour autant exécuter ces méthodes (grâce au principe du Mock).</a:t>
+              <a:t>L</a:t>
+            </a:r>
+            <a:r>
+              <a:rPr lang="fr-FR" sz="2000" dirty="0" smtClean="0">
+                <a:solidFill>
+                  <a:schemeClr val="accent1">
+                    <a:lumMod val="75000"/>
+                  </a:schemeClr>
+                </a:solidFill>
+                <a:latin typeface="Century" pitchFamily="18" charset="0"/>
+                <a:ea typeface="Cambria" pitchFamily="18" charset="0"/>
+                <a:cs typeface="Times New Roman" pitchFamily="18" charset="0"/>
+              </a:rPr>
+              <a:t>e </a:t>
+            </a:r>
+            <a:r>
+              <a:rPr lang="fr-FR" sz="2000" dirty="0" smtClean="0">
+                <a:solidFill>
+                  <a:schemeClr val="accent1">
+                    <a:lumMod val="75000"/>
+                  </a:schemeClr>
+                </a:solidFill>
+                <a:latin typeface="Century" pitchFamily="18" charset="0"/>
+                <a:ea typeface="Cambria" pitchFamily="18" charset="0"/>
+                <a:cs typeface="Times New Roman" pitchFamily="18" charset="0"/>
+              </a:rPr>
+              <a:t>Framework Mockito qui </a:t>
+            </a:r>
+            <a:r>
+              <a:rPr lang="fr-FR" sz="2000" dirty="0" smtClean="0">
+                <a:solidFill>
+                  <a:schemeClr val="accent1">
+                    <a:lumMod val="75000"/>
+                  </a:schemeClr>
+                </a:solidFill>
+                <a:latin typeface="Century" pitchFamily="18" charset="0"/>
+                <a:ea typeface="Cambria" pitchFamily="18" charset="0"/>
+                <a:cs typeface="Times New Roman" pitchFamily="18" charset="0"/>
+              </a:rPr>
+              <a:t>s'interface </a:t>
+            </a:r>
+            <a:r>
+              <a:rPr lang="fr-FR" sz="2000" dirty="0" smtClean="0">
+                <a:solidFill>
+                  <a:schemeClr val="accent1">
+                    <a:lumMod val="75000"/>
+                  </a:schemeClr>
+                </a:solidFill>
+                <a:latin typeface="Century" pitchFamily="18" charset="0"/>
+                <a:ea typeface="Cambria" pitchFamily="18" charset="0"/>
+                <a:cs typeface="Times New Roman" pitchFamily="18" charset="0"/>
+              </a:rPr>
+              <a:t>avec JUnit et qui </a:t>
+            </a:r>
+            <a:r>
+              <a:rPr lang="fr-FR" sz="2000" dirty="0" smtClean="0">
+                <a:solidFill>
+                  <a:schemeClr val="accent1">
+                    <a:lumMod val="75000"/>
+                  </a:schemeClr>
+                </a:solidFill>
+                <a:latin typeface="Century" pitchFamily="18" charset="0"/>
+                <a:ea typeface="Cambria" pitchFamily="18" charset="0"/>
+                <a:cs typeface="Times New Roman" pitchFamily="18" charset="0"/>
+              </a:rPr>
+              <a:t>permet </a:t>
+            </a:r>
+            <a:r>
+              <a:rPr lang="fr-FR" sz="2000" dirty="0" smtClean="0">
+                <a:solidFill>
+                  <a:schemeClr val="accent1">
+                    <a:lumMod val="75000"/>
+                  </a:schemeClr>
+                </a:solidFill>
+                <a:latin typeface="Century" pitchFamily="18" charset="0"/>
+                <a:ea typeface="Cambria" pitchFamily="18" charset="0"/>
+                <a:cs typeface="Times New Roman" pitchFamily="18" charset="0"/>
+              </a:rPr>
+              <a:t>entre </a:t>
+            </a:r>
+            <a:r>
+              <a:rPr lang="fr-FR" sz="2000" dirty="0" smtClean="0">
+                <a:solidFill>
+                  <a:schemeClr val="accent1">
+                    <a:lumMod val="75000"/>
+                  </a:schemeClr>
+                </a:solidFill>
+                <a:latin typeface="Century" pitchFamily="18" charset="0"/>
+                <a:ea typeface="Cambria" pitchFamily="18" charset="0"/>
+                <a:cs typeface="Times New Roman" pitchFamily="18" charset="0"/>
+              </a:rPr>
+              <a:t>autre </a:t>
+            </a:r>
+            <a:r>
+              <a:rPr lang="fr-FR" sz="2000" dirty="0" smtClean="0">
+                <a:solidFill>
+                  <a:schemeClr val="accent1">
+                    <a:lumMod val="75000"/>
+                  </a:schemeClr>
+                </a:solidFill>
+                <a:latin typeface="Century" pitchFamily="18" charset="0"/>
+                <a:ea typeface="Cambria" pitchFamily="18" charset="0"/>
+                <a:cs typeface="Times New Roman" pitchFamily="18" charset="0"/>
+              </a:rPr>
+              <a:t>de faire des assertions sur des appels de méthodes et leurs arguments sans pour autant exécuter ces méthodes (grâce au principe du Mock).</a:t>
             </a:r>
           </a:p>
           <a:p>
@@ -7485,7 +7671,7 @@
         <p:spPr>
           <a:xfrm>
             <a:off x="1000100" y="2000240"/>
-            <a:ext cx="7286676" cy="3785652"/>
+            <a:ext cx="7286676" cy="3477875"/>
           </a:xfrm>
           <a:prstGeom prst="rect">
             <a:avLst/>
@@ -7498,7 +7684,7 @@
           </a:bodyPr>
           <a:lstStyle/>
           <a:p>
-            <a:pPr>
+            <a:pPr algn="just">
               <a:buFont typeface="Arial" pitchFamily="34" charset="0"/>
               <a:buChar char="•"/>
             </a:pPr>
@@ -7513,7 +7699,7 @@
                 <a:ea typeface="Cambria" pitchFamily="18" charset="0"/>
                 <a:cs typeface="Times New Roman" pitchFamily="18" charset="0"/>
               </a:rPr>
-              <a:t>Dans la classe ParkingDataBaseIT: </a:t>
+              <a:t>Dans la classe ParkingDataBaseIT:  on a </a:t>
             </a:r>
             <a:r>
               <a:rPr lang="fr-FR" sz="2000" dirty="0" smtClean="0">
@@ -7526,7 +7712,7 @@
                 <a:ea typeface="Cambria" pitchFamily="18" charset="0"/>
                 <a:cs typeface="Times New Roman" pitchFamily="18" charset="0"/>
               </a:rPr>
-              <a:t> on a compléter </a:t>
+              <a:t>complété </a:t>
             </a:r>
             <a:r>
               <a:rPr lang="fr-FR" sz="2000" dirty="0" smtClean="0">
@@ -7543,6 +7729,7 @@
             </a:r>
           </a:p>
           <a:p>
+            <a:pPr algn="just"/>
             <a:endParaRPr lang="fr-FR" sz="2000" dirty="0" smtClean="0">
               <a:solidFill>
                 <a:schemeClr val="accent1">
@@ -7555,7 +7742,7 @@
             </a:endParaRPr>
           </a:p>
           <a:p>
-            <a:pPr>
+            <a:pPr algn="just">
               <a:buFont typeface="Arial" pitchFamily="34" charset="0"/>
               <a:buChar char="•"/>
             </a:pPr>
@@ -7570,11 +7757,50 @@
                 <a:ea typeface="Cambria" pitchFamily="18" charset="0"/>
                 <a:cs typeface="Times New Roman" pitchFamily="18" charset="0"/>
               </a:rPr>
-              <a:t>L ajout d un test d intégration dans la méthode testParkingACar() qui va vérifier qu'un ticket est effectivement enregistré dans la base de données et que la table de stationnement est mise à jour avec la disponibilité. </a:t>
-            </a:r>
-          </a:p>
-          <a:p>
-            <a:pPr>
+              <a:t>L' </a:t>
+            </a:r>
+            <a:r>
+              <a:rPr lang="fr-FR" sz="2000" dirty="0" smtClean="0">
+                <a:solidFill>
+                  <a:schemeClr val="accent1">
+                    <a:lumMod val="75000"/>
+                  </a:schemeClr>
+                </a:solidFill>
+                <a:latin typeface="Century" pitchFamily="18" charset="0"/>
+                <a:ea typeface="Cambria" pitchFamily="18" charset="0"/>
+                <a:cs typeface="Times New Roman" pitchFamily="18" charset="0"/>
+              </a:rPr>
+              <a:t>ajout d un test d intégration dans la méthode testParkingACar() </a:t>
+            </a:r>
+            <a:r>
+              <a:rPr lang="fr-FR" sz="2000" dirty="0" smtClean="0">
+                <a:solidFill>
+                  <a:schemeClr val="accent1">
+                    <a:lumMod val="75000"/>
+                  </a:schemeClr>
+                </a:solidFill>
+                <a:latin typeface="Century" pitchFamily="18" charset="0"/>
+                <a:ea typeface="Cambria" pitchFamily="18" charset="0"/>
+                <a:cs typeface="Times New Roman" pitchFamily="18" charset="0"/>
+              </a:rPr>
+              <a:t>va </a:t>
+            </a:r>
+            <a:r>
+              <a:rPr lang="fr-FR" sz="2000" dirty="0" smtClean="0">
+                <a:solidFill>
+                  <a:schemeClr val="accent1">
+                    <a:lumMod val="75000"/>
+                  </a:schemeClr>
+                </a:solidFill>
+                <a:latin typeface="Century" pitchFamily="18" charset="0"/>
+                <a:ea typeface="Cambria" pitchFamily="18" charset="0"/>
+                <a:cs typeface="Times New Roman" pitchFamily="18" charset="0"/>
+              </a:rPr>
+              <a:t>vérifier qu'un ticket est effectivement enregistré dans la base de données et que la table de stationnement est mise à jour avec la disponibilité. </a:t>
+            </a:r>
+          </a:p>
+          <a:p>
+            <a:pPr algn="just">
               <a:buFont typeface="Arial" pitchFamily="34" charset="0"/>
               <a:buChar char="•"/>
             </a:pPr>
@@ -7590,7 +7816,7 @@
             </a:endParaRPr>
           </a:p>
           <a:p>
-            <a:pPr>
+            <a:pPr algn="just">
               <a:buFont typeface="Arial" pitchFamily="34" charset="0"/>
               <a:buChar char="•"/>
             </a:pPr>
@@ -7605,7 +7831,33 @@
                 <a:ea typeface="Cambria" pitchFamily="18" charset="0"/>
                 <a:cs typeface="Times New Roman" pitchFamily="18" charset="0"/>
               </a:rPr>
-              <a:t>L'ajout d un test d intégration  dans la méthode testParkingLotExit() qui va vérifier que le tarif généré et l'heure de sortie sont correctement renseignés dans la base. </a:t>
+              <a:t>L'ajout d un test d intégration  dans la méthode testParkingLotExit() </a:t>
+            </a:r>
+            <a:r>
+              <a:rPr lang="fr-FR" sz="2000" dirty="0" smtClean="0">
+                <a:solidFill>
+                  <a:schemeClr val="accent1">
+                    <a:lumMod val="75000"/>
+                  </a:schemeClr>
+                </a:solidFill>
+                <a:latin typeface="Century" pitchFamily="18" charset="0"/>
+                <a:ea typeface="Cambria" pitchFamily="18" charset="0"/>
+                <a:cs typeface="Times New Roman" pitchFamily="18" charset="0"/>
+              </a:rPr>
+              <a:t>va </a:t>
+            </a:r>
+            <a:r>
+              <a:rPr lang="fr-FR" sz="2000" dirty="0" smtClean="0">
+                <a:solidFill>
+                  <a:schemeClr val="accent1">
+                    <a:lumMod val="75000"/>
+                  </a:schemeClr>
+                </a:solidFill>
+                <a:latin typeface="Century" pitchFamily="18" charset="0"/>
+                <a:ea typeface="Cambria" pitchFamily="18" charset="0"/>
+                <a:cs typeface="Times New Roman" pitchFamily="18" charset="0"/>
+              </a:rPr>
+              <a:t>vérifier que le tarif généré et l'heure de sortie sont correctement renseignés dans la base. </a:t>
             </a:r>
           </a:p>
         </p:txBody>
@@ -7738,7 +7990,7 @@
           </a:bodyPr>
           <a:lstStyle/>
           <a:p>
-            <a:pPr>
+            <a:pPr algn="just">
               <a:buFont typeface="Arial" pitchFamily="34" charset="0"/>
               <a:buChar char="•"/>
             </a:pPr>
@@ -7753,10 +8005,63 @@
                 <a:ea typeface="Cambria" pitchFamily="18" charset="0"/>
                 <a:cs typeface="Times New Roman" pitchFamily="18" charset="0"/>
               </a:rPr>
-              <a:t>Ecrire le test unitaire qui vérifie que quand un utilisateur entre dans le parking après avoir entré son numéro de plaque d'immatriculation . L'usager sort du parking en donnant à nouveau son numéro de plaque. S’il  reste moins de 30 minutes, il n’a  rien à payer. Les frais devraient être de 0.</a:t>
-            </a:r>
-          </a:p>
-          <a:p>
+              <a:t>Ecrire le test unitaire qui vérifie que quand un utilisateur entre dans le parking après avoir entré son numéro de plaque d'immatriculation </a:t>
+            </a:r>
+            <a:r>
+              <a:rPr lang="fr-FR" sz="2000" dirty="0" smtClean="0">
+                <a:solidFill>
+                  <a:schemeClr val="accent1">
+                    <a:lumMod val="75000"/>
+                  </a:schemeClr>
+                </a:solidFill>
+                <a:latin typeface="Century" pitchFamily="18" charset="0"/>
+                <a:ea typeface="Cambria" pitchFamily="18" charset="0"/>
+                <a:cs typeface="Times New Roman" pitchFamily="18" charset="0"/>
+              </a:rPr>
+              <a:t>. </a:t>
+            </a:r>
+            <a:r>
+              <a:rPr lang="fr-FR" sz="2000" dirty="0" smtClean="0">
+                <a:solidFill>
+                  <a:schemeClr val="accent1">
+                    <a:lumMod val="75000"/>
+                  </a:schemeClr>
+                </a:solidFill>
+                <a:latin typeface="Century" pitchFamily="18" charset="0"/>
+                <a:ea typeface="Cambria" pitchFamily="18" charset="0"/>
+                <a:cs typeface="Times New Roman" pitchFamily="18" charset="0"/>
+              </a:rPr>
+              <a:t>L'usager sort du parking en donnant à nouveau son numéro de </a:t>
+            </a:r>
+            <a:r>
+              <a:rPr lang="fr-FR" sz="2000" dirty="0" smtClean="0">
+                <a:solidFill>
+                  <a:schemeClr val="accent1">
+                    <a:lumMod val="75000"/>
+                  </a:schemeClr>
+                </a:solidFill>
+                <a:latin typeface="Century" pitchFamily="18" charset="0"/>
+                <a:ea typeface="Cambria" pitchFamily="18" charset="0"/>
+                <a:cs typeface="Times New Roman" pitchFamily="18" charset="0"/>
+              </a:rPr>
+              <a:t>plaque; s’il  </a:t>
+            </a:r>
+            <a:r>
+              <a:rPr lang="fr-FR" sz="2000" dirty="0" smtClean="0">
+                <a:solidFill>
+                  <a:schemeClr val="accent1">
+                    <a:lumMod val="75000"/>
+                  </a:schemeClr>
+                </a:solidFill>
+                <a:latin typeface="Century" pitchFamily="18" charset="0"/>
+                <a:ea typeface="Cambria" pitchFamily="18" charset="0"/>
+                <a:cs typeface="Times New Roman" pitchFamily="18" charset="0"/>
+              </a:rPr>
+              <a:t>reste moins de 30 minutes, il n’a  rien à payer. Les frais devraient être de 0.</a:t>
+            </a:r>
+          </a:p>
+          <a:p>
+            <a:pPr algn="just"/>
             <a:endParaRPr lang="fr-FR" sz="2000" dirty="0" smtClean="0">
               <a:solidFill>
                 <a:schemeClr val="accent1">
@@ -7769,7 +8074,7 @@
             </a:endParaRPr>
           </a:p>
           <a:p>
-            <a:pPr>
+            <a:pPr algn="just">
               <a:buFont typeface="Arial" pitchFamily="34" charset="0"/>
               <a:buChar char="•"/>
             </a:pPr>
@@ -7788,6 +8093,7 @@
             </a:r>
           </a:p>
           <a:p>
+            <a:pPr algn="just"/>
             <a:endParaRPr lang="fr-FR" sz="2000" dirty="0" smtClean="0">
               <a:solidFill>
                 <a:schemeClr val="accent1">
@@ -7800,7 +8106,7 @@
             </a:endParaRPr>
           </a:p>
           <a:p>
-            <a:pPr>
+            <a:pPr algn="just">
               <a:buFont typeface="Arial" pitchFamily="34" charset="0"/>
               <a:buChar char="•"/>
             </a:pPr>
@@ -7819,6 +8125,7 @@
             </a:r>
           </a:p>
           <a:p>
+            <a:pPr algn="just"/>
             <a:endParaRPr lang="fr-FR" sz="2000" dirty="0" smtClean="0">
               <a:solidFill>
                 <a:schemeClr val="accent1">
@@ -7831,7 +8138,7 @@
             </a:endParaRPr>
           </a:p>
           <a:p>
-            <a:pPr>
+            <a:pPr algn="just">
               <a:buFont typeface="Arial" pitchFamily="34" charset="0"/>
               <a:buChar char="•"/>
             </a:pPr>
@@ -7850,7 +8157,7 @@
             </a:r>
           </a:p>
           <a:p>
-            <a:pPr>
+            <a:pPr algn="just">
               <a:buFont typeface="Arial" pitchFamily="34" charset="0"/>
               <a:buChar char="•"/>
             </a:pPr>
@@ -7866,7 +8173,7 @@
             </a:endParaRPr>
           </a:p>
           <a:p>
-            <a:pPr>
+            <a:pPr algn="just">
               <a:buFont typeface="Arial" pitchFamily="34" charset="0"/>
               <a:buChar char="•"/>
             </a:pPr>
@@ -8060,7 +8367,20 @@
                 <a:ea typeface="ＭＳ Ｐゴシック" charset="0"/>
                 <a:cs typeface="Calibri" pitchFamily="34" charset="0"/>
               </a:rPr>
-              <a:t>Difficulté à comprendre le besoin au début surtout si  c'est la première fois qu’ on utilise le testing en java.</a:t>
+              <a:t>Difficultés </a:t>
+            </a:r>
+            <a:r>
+              <a:rPr lang="fr-FR" sz="2400" dirty="0" smtClean="0">
+                <a:solidFill>
+                  <a:schemeClr val="accent1">
+                    <a:lumMod val="75000"/>
+                  </a:schemeClr>
+                </a:solidFill>
+                <a:latin typeface="Centaur" pitchFamily="18" charset="0"/>
+                <a:ea typeface="ＭＳ Ｐゴシック" charset="0"/>
+                <a:cs typeface="Calibri" pitchFamily="34" charset="0"/>
+              </a:rPr>
+              <a:t>à comprendre le besoin au début surtout si  c'est la première fois qu’ on utilise le testing en java.</a:t>
             </a:r>
           </a:p>
           <a:p>

--- a/p5_kaloui-sanaa-presentation.pptx
+++ b/p5_kaloui-sanaa-presentation.pptx
@@ -522,7 +522,7 @@
     </p:spTree>
     <p:extLst>
       <p:ext uri="{BB962C8B-B14F-4D97-AF65-F5344CB8AC3E}">
-        <p14:creationId xmlns="" xmlns:p14="http://schemas.microsoft.com/office/powerpoint/2010/main" val="4275570066"/>
+        <p14:creationId xmlns:p14="http://schemas.microsoft.com/office/powerpoint/2010/main" xmlns="" val="4275570066"/>
       </p:ext>
     </p:extLst>
   </p:cSld>
@@ -1658,7 +1658,7 @@
           <p:cNvPr id="19" name="Picture 18">
             <a:extLst>
               <a:ext uri="{FF2B5EF4-FFF2-40B4-BE49-F238E27FC236}">
-                <a16:creationId xmlns="" xmlns:a16="http://schemas.microsoft.com/office/drawing/2014/main" id="{C7EB5592-C2B2-0D43-9D50-9C28DF4DC07C}"/>
+                <a16:creationId xmlns:a16="http://schemas.microsoft.com/office/drawing/2014/main" xmlns="" id="{C7EB5592-C2B2-0D43-9D50-9C28DF4DC07C}"/>
               </a:ext>
             </a:extLst>
           </p:cNvPr>
@@ -1671,7 +1671,7 @@
           <a:blip r:embed="rId2" cstate="screen">
             <a:extLst>
               <a:ext uri="{28A0092B-C50C-407E-A947-70E740481C1C}">
-                <a14:useLocalDpi xmlns="" xmlns:a14="http://schemas.microsoft.com/office/drawing/2010/main"/>
+                <a14:useLocalDpi xmlns:a14="http://schemas.microsoft.com/office/drawing/2010/main" xmlns=""/>
               </a:ext>
             </a:extLst>
           </a:blip>
@@ -1694,7 +1694,7 @@
           <p:cNvPr id="25" name="Picture 24">
             <a:extLst>
               <a:ext uri="{FF2B5EF4-FFF2-40B4-BE49-F238E27FC236}">
-                <a16:creationId xmlns="" xmlns:a16="http://schemas.microsoft.com/office/drawing/2014/main" id="{53424396-1ABB-C24B-ACCA-76C9FDCCCAA7}"/>
+                <a16:creationId xmlns:a16="http://schemas.microsoft.com/office/drawing/2014/main" xmlns="" id="{53424396-1ABB-C24B-ACCA-76C9FDCCCAA7}"/>
               </a:ext>
             </a:extLst>
           </p:cNvPr>
@@ -1708,7 +1708,7 @@
             <a:alphaModFix amt="54000"/>
             <a:extLst>
               <a:ext uri="{28A0092B-C50C-407E-A947-70E740481C1C}">
-                <a14:useLocalDpi xmlns="" xmlns:a14="http://schemas.microsoft.com/office/drawing/2010/main"/>
+                <a14:useLocalDpi xmlns:a14="http://schemas.microsoft.com/office/drawing/2010/main" xmlns=""/>
               </a:ext>
             </a:extLst>
           </a:blip>
@@ -1731,7 +1731,7 @@
           <p:cNvPr id="24" name="Picture 23">
             <a:extLst>
               <a:ext uri="{FF2B5EF4-FFF2-40B4-BE49-F238E27FC236}">
-                <a16:creationId xmlns="" xmlns:a16="http://schemas.microsoft.com/office/drawing/2014/main" id="{3B317941-75AD-CC4C-B1BC-FD1266AD5043}"/>
+                <a16:creationId xmlns:a16="http://schemas.microsoft.com/office/drawing/2014/main" xmlns="" id="{3B317941-75AD-CC4C-B1BC-FD1266AD5043}"/>
               </a:ext>
             </a:extLst>
           </p:cNvPr>
@@ -1744,7 +1744,7 @@
           <a:blip r:embed="rId4" cstate="screen">
             <a:extLst>
               <a:ext uri="{28A0092B-C50C-407E-A947-70E740481C1C}">
-                <a14:useLocalDpi xmlns="" xmlns:a14="http://schemas.microsoft.com/office/drawing/2010/main"/>
+                <a14:useLocalDpi xmlns:a14="http://schemas.microsoft.com/office/drawing/2010/main" xmlns=""/>
               </a:ext>
             </a:extLst>
           </a:blip>
@@ -2113,7 +2113,7 @@
           <p:cNvPr id="15" name="pasted-image.pdf" descr="pasted-image.pdf">
             <a:extLst>
               <a:ext uri="{FF2B5EF4-FFF2-40B4-BE49-F238E27FC236}">
-                <a16:creationId xmlns="" xmlns:a16="http://schemas.microsoft.com/office/drawing/2014/main" id="{971614F3-74FA-1349-B1B6-B73CF0A93053}"/>
+                <a16:creationId xmlns:a16="http://schemas.microsoft.com/office/drawing/2014/main" xmlns="" id="{971614F3-74FA-1349-B1B6-B73CF0A93053}"/>
               </a:ext>
             </a:extLst>
           </p:cNvPr>
@@ -2126,7 +2126,7 @@
           <a:blip r:embed="rId5" cstate="screen">
             <a:extLst>
               <a:ext uri="{28A0092B-C50C-407E-A947-70E740481C1C}">
-                <a14:useLocalDpi xmlns="" xmlns:a14="http://schemas.microsoft.com/office/drawing/2010/main"/>
+                <a14:useLocalDpi xmlns:a14="http://schemas.microsoft.com/office/drawing/2010/main" xmlns=""/>
               </a:ext>
             </a:extLst>
           </a:blip>
@@ -2152,7 +2152,7 @@
           <p:cNvPr id="4" name="Group 3">
             <a:extLst>
               <a:ext uri="{FF2B5EF4-FFF2-40B4-BE49-F238E27FC236}">
-                <a16:creationId xmlns="" xmlns:a16="http://schemas.microsoft.com/office/drawing/2014/main" id="{DB7C485F-51EF-0247-93E1-C6C36D8B8023}"/>
+                <a16:creationId xmlns:a16="http://schemas.microsoft.com/office/drawing/2014/main" xmlns="" id="{DB7C485F-51EF-0247-93E1-C6C36D8B8023}"/>
               </a:ext>
             </a:extLst>
           </p:cNvPr>
@@ -2172,7 +2172,7 @@
             <p:cNvPr id="13" name="Picture 12">
               <a:extLst>
                 <a:ext uri="{FF2B5EF4-FFF2-40B4-BE49-F238E27FC236}">
-                  <a16:creationId xmlns="" xmlns:a16="http://schemas.microsoft.com/office/drawing/2014/main" id="{6C38969F-F9E0-964C-A2AB-502E26747B0F}"/>
+                  <a16:creationId xmlns:a16="http://schemas.microsoft.com/office/drawing/2014/main" xmlns="" id="{6C38969F-F9E0-964C-A2AB-502E26747B0F}"/>
                 </a:ext>
               </a:extLst>
             </p:cNvPr>
@@ -2186,7 +2186,7 @@
               <a:alphaModFix amt="54000"/>
               <a:extLst>
                 <a:ext uri="{28A0092B-C50C-407E-A947-70E740481C1C}">
-                  <a14:useLocalDpi xmlns="" xmlns:a14="http://schemas.microsoft.com/office/drawing/2010/main"/>
+                  <a14:useLocalDpi xmlns:a14="http://schemas.microsoft.com/office/drawing/2010/main" xmlns=""/>
                 </a:ext>
               </a:extLst>
             </a:blip>
@@ -2209,7 +2209,7 @@
             <p:cNvPr id="16" name="Picture 15">
               <a:extLst>
                 <a:ext uri="{FF2B5EF4-FFF2-40B4-BE49-F238E27FC236}">
-                  <a16:creationId xmlns="" xmlns:a16="http://schemas.microsoft.com/office/drawing/2014/main" id="{F24688C7-865E-8448-BF28-340C41DCF4B1}"/>
+                  <a16:creationId xmlns:a16="http://schemas.microsoft.com/office/drawing/2014/main" xmlns="" id="{F24688C7-865E-8448-BF28-340C41DCF4B1}"/>
                 </a:ext>
               </a:extLst>
             </p:cNvPr>
@@ -2223,7 +2223,7 @@
               <a:alphaModFix amt="54000"/>
               <a:extLst>
                 <a:ext uri="{28A0092B-C50C-407E-A947-70E740481C1C}">
-                  <a14:useLocalDpi xmlns="" xmlns:a14="http://schemas.microsoft.com/office/drawing/2010/main"/>
+                  <a14:useLocalDpi xmlns:a14="http://schemas.microsoft.com/office/drawing/2010/main" xmlns=""/>
                 </a:ext>
               </a:extLst>
             </a:blip>
@@ -2246,7 +2246,7 @@
             <p:cNvPr id="14" name="Picture 13">
               <a:extLst>
                 <a:ext uri="{FF2B5EF4-FFF2-40B4-BE49-F238E27FC236}">
-                  <a16:creationId xmlns="" xmlns:a16="http://schemas.microsoft.com/office/drawing/2014/main" id="{9E31BE27-20CA-A147-9D7E-63AE9203A4E2}"/>
+                  <a16:creationId xmlns:a16="http://schemas.microsoft.com/office/drawing/2014/main" xmlns="" id="{9E31BE27-20CA-A147-9D7E-63AE9203A4E2}"/>
                 </a:ext>
               </a:extLst>
             </p:cNvPr>
@@ -2259,7 +2259,7 @@
             <a:blip r:embed="rId7" cstate="screen">
               <a:extLst>
                 <a:ext uri="{28A0092B-C50C-407E-A947-70E740481C1C}">
-                  <a14:useLocalDpi xmlns="" xmlns:a14="http://schemas.microsoft.com/office/drawing/2010/main"/>
+                  <a14:useLocalDpi xmlns:a14="http://schemas.microsoft.com/office/drawing/2010/main" xmlns=""/>
                 </a:ext>
               </a:extLst>
             </a:blip>
@@ -2283,7 +2283,7 @@
           <p:cNvPr id="20" name="Picture 19">
             <a:extLst>
               <a:ext uri="{FF2B5EF4-FFF2-40B4-BE49-F238E27FC236}">
-                <a16:creationId xmlns="" xmlns:a16="http://schemas.microsoft.com/office/drawing/2014/main" id="{C20BF5AF-61F1-4348-BAA3-134001BC6AC8}"/>
+                <a16:creationId xmlns:a16="http://schemas.microsoft.com/office/drawing/2014/main" xmlns="" id="{C20BF5AF-61F1-4348-BAA3-134001BC6AC8}"/>
               </a:ext>
             </a:extLst>
           </p:cNvPr>
@@ -2297,7 +2297,7 @@
             <a:alphaModFix amt="54000"/>
             <a:extLst>
               <a:ext uri="{28A0092B-C50C-407E-A947-70E740481C1C}">
-                <a14:useLocalDpi xmlns="" xmlns:a14="http://schemas.microsoft.com/office/drawing/2010/main"/>
+                <a14:useLocalDpi xmlns:a14="http://schemas.microsoft.com/office/drawing/2010/main" xmlns=""/>
               </a:ext>
             </a:extLst>
           </a:blip>
@@ -2320,7 +2320,7 @@
           <p:cNvPr id="22" name="Picture 21">
             <a:extLst>
               <a:ext uri="{FF2B5EF4-FFF2-40B4-BE49-F238E27FC236}">
-                <a16:creationId xmlns="" xmlns:a16="http://schemas.microsoft.com/office/drawing/2014/main" id="{364051FF-B810-7F47-AD66-7FC738416232}"/>
+                <a16:creationId xmlns:a16="http://schemas.microsoft.com/office/drawing/2014/main" xmlns="" id="{364051FF-B810-7F47-AD66-7FC738416232}"/>
               </a:ext>
             </a:extLst>
           </p:cNvPr>
@@ -2334,7 +2334,7 @@
             <a:alphaModFix amt="22000"/>
             <a:extLst>
               <a:ext uri="{28A0092B-C50C-407E-A947-70E740481C1C}">
-                <a14:useLocalDpi xmlns="" xmlns:a14="http://schemas.microsoft.com/office/drawing/2010/main"/>
+                <a14:useLocalDpi xmlns:a14="http://schemas.microsoft.com/office/drawing/2010/main" xmlns=""/>
               </a:ext>
             </a:extLst>
           </a:blip>
@@ -2364,7 +2364,7 @@
           <p:cNvPr id="23" name="Picture 22" descr="Cloud-the-Goat---Grazing.png">
             <a:extLst>
               <a:ext uri="{FF2B5EF4-FFF2-40B4-BE49-F238E27FC236}">
-                <a16:creationId xmlns="" xmlns:a16="http://schemas.microsoft.com/office/drawing/2014/main" id="{B3F869A3-8172-374F-BC43-74EB11069E29}"/>
+                <a16:creationId xmlns:a16="http://schemas.microsoft.com/office/drawing/2014/main" xmlns="" id="{B3F869A3-8172-374F-BC43-74EB11069E29}"/>
               </a:ext>
             </a:extLst>
           </p:cNvPr>
@@ -2377,7 +2377,7 @@
           <a:blip r:embed="rId8" cstate="screen">
             <a:extLst>
               <a:ext uri="{28A0092B-C50C-407E-A947-70E740481C1C}">
-                <a14:useLocalDpi xmlns="" xmlns:a14="http://schemas.microsoft.com/office/drawing/2010/main"/>
+                <a14:useLocalDpi xmlns:a14="http://schemas.microsoft.com/office/drawing/2010/main" xmlns=""/>
               </a:ext>
             </a:extLst>
           </a:blip>
@@ -2400,7 +2400,7 @@
           <p:cNvPr id="26" name="Picture 25">
             <a:extLst>
               <a:ext uri="{FF2B5EF4-FFF2-40B4-BE49-F238E27FC236}">
-                <a16:creationId xmlns="" xmlns:a16="http://schemas.microsoft.com/office/drawing/2014/main" id="{AAA0F863-5ED9-BF47-9E43-9B5A7E5D55EA}"/>
+                <a16:creationId xmlns:a16="http://schemas.microsoft.com/office/drawing/2014/main" xmlns="" id="{AAA0F863-5ED9-BF47-9E43-9B5A7E5D55EA}"/>
               </a:ext>
             </a:extLst>
           </p:cNvPr>
@@ -2414,7 +2414,7 @@
             <a:alphaModFix amt="22000"/>
             <a:extLst>
               <a:ext uri="{28A0092B-C50C-407E-A947-70E740481C1C}">
-                <a14:useLocalDpi xmlns="" xmlns:a14="http://schemas.microsoft.com/office/drawing/2010/main"/>
+                <a14:useLocalDpi xmlns:a14="http://schemas.microsoft.com/office/drawing/2010/main" xmlns=""/>
               </a:ext>
             </a:extLst>
           </a:blip>
@@ -2444,7 +2444,7 @@
           <p:cNvPr id="21" name="Picture 20">
             <a:extLst>
               <a:ext uri="{FF2B5EF4-FFF2-40B4-BE49-F238E27FC236}">
-                <a16:creationId xmlns="" xmlns:a16="http://schemas.microsoft.com/office/drawing/2014/main" id="{4D07FE5E-A6AA-884E-A18B-3D6ED3F41826}"/>
+                <a16:creationId xmlns:a16="http://schemas.microsoft.com/office/drawing/2014/main" xmlns="" id="{4D07FE5E-A6AA-884E-A18B-3D6ED3F41826}"/>
               </a:ext>
             </a:extLst>
           </p:cNvPr>
@@ -2458,7 +2458,7 @@
             <a:alphaModFix amt="54000"/>
             <a:extLst>
               <a:ext uri="{28A0092B-C50C-407E-A947-70E740481C1C}">
-                <a14:useLocalDpi xmlns="" xmlns:a14="http://schemas.microsoft.com/office/drawing/2010/main"/>
+                <a14:useLocalDpi xmlns:a14="http://schemas.microsoft.com/office/drawing/2010/main" xmlns=""/>
               </a:ext>
             </a:extLst>
           </a:blip>
@@ -2481,7 +2481,7 @@
           <p:cNvPr id="7" name="Picture 6">
             <a:extLst>
               <a:ext uri="{FF2B5EF4-FFF2-40B4-BE49-F238E27FC236}">
-                <a16:creationId xmlns="" xmlns:a16="http://schemas.microsoft.com/office/drawing/2014/main" id="{4EDC2888-59E3-7440-9896-4A8645F97492}"/>
+                <a16:creationId xmlns:a16="http://schemas.microsoft.com/office/drawing/2014/main" xmlns="" id="{4EDC2888-59E3-7440-9896-4A8645F97492}"/>
               </a:ext>
             </a:extLst>
           </p:cNvPr>
@@ -2494,7 +2494,7 @@
           <a:blip r:embed="rId9" cstate="screen">
             <a:extLst>
               <a:ext uri="{28A0092B-C50C-407E-A947-70E740481C1C}">
-                <a14:useLocalDpi xmlns="" xmlns:a14="http://schemas.microsoft.com/office/drawing/2010/main"/>
+                <a14:useLocalDpi xmlns:a14="http://schemas.microsoft.com/office/drawing/2010/main" xmlns=""/>
               </a:ext>
             </a:extLst>
           </a:blip>
@@ -2515,7 +2515,7 @@
     </p:spTree>
     <p:extLst>
       <p:ext uri="{BB962C8B-B14F-4D97-AF65-F5344CB8AC3E}">
-        <p14:creationId xmlns="" xmlns:p14="http://schemas.microsoft.com/office/powerpoint/2010/main" val="3373851088"/>
+        <p14:creationId xmlns:p14="http://schemas.microsoft.com/office/powerpoint/2010/main" xmlns="" val="3373851088"/>
       </p:ext>
     </p:extLst>
   </p:cSld>
@@ -2550,7 +2550,7 @@
           <p:cNvPr id="19" name="Picture 18">
             <a:extLst>
               <a:ext uri="{FF2B5EF4-FFF2-40B4-BE49-F238E27FC236}">
-                <a16:creationId xmlns="" xmlns:a16="http://schemas.microsoft.com/office/drawing/2014/main" id="{C813E119-9FD7-D446-B03F-ED372D4DE5DA}"/>
+                <a16:creationId xmlns:a16="http://schemas.microsoft.com/office/drawing/2014/main" xmlns="" id="{C813E119-9FD7-D446-B03F-ED372D4DE5DA}"/>
               </a:ext>
             </a:extLst>
           </p:cNvPr>
@@ -2564,7 +2564,7 @@
             <a:alphaModFix amt="80000"/>
             <a:extLst>
               <a:ext uri="{28A0092B-C50C-407E-A947-70E740481C1C}">
-                <a14:useLocalDpi xmlns="" xmlns:a14="http://schemas.microsoft.com/office/drawing/2010/main"/>
+                <a14:useLocalDpi xmlns:a14="http://schemas.microsoft.com/office/drawing/2010/main" xmlns=""/>
               </a:ext>
             </a:extLst>
           </a:blip>
@@ -2767,7 +2767,7 @@
           <a:blip r:embed="rId3" cstate="screen">
             <a:extLst>
               <a:ext uri="{28A0092B-C50C-407E-A947-70E740481C1C}">
-                <a14:useLocalDpi xmlns="" xmlns:a14="http://schemas.microsoft.com/office/drawing/2010/main"/>
+                <a14:useLocalDpi xmlns:a14="http://schemas.microsoft.com/office/drawing/2010/main" xmlns=""/>
               </a:ext>
             </a:extLst>
           </a:blip>
@@ -2793,7 +2793,7 @@
           <p:cNvPr id="11" name="Footer Placeholder 3">
             <a:extLst>
               <a:ext uri="{FF2B5EF4-FFF2-40B4-BE49-F238E27FC236}">
-                <a16:creationId xmlns="" xmlns:a16="http://schemas.microsoft.com/office/drawing/2014/main" id="{D34182B3-BC83-574F-BEFD-A10EC2325B88}"/>
+                <a16:creationId xmlns:a16="http://schemas.microsoft.com/office/drawing/2014/main" xmlns="" id="{D34182B3-BC83-574F-BEFD-A10EC2325B88}"/>
               </a:ext>
             </a:extLst>
           </p:cNvPr>
@@ -2843,7 +2843,7 @@
           <p:cNvPr id="2" name="Title 1">
             <a:extLst>
               <a:ext uri="{FF2B5EF4-FFF2-40B4-BE49-F238E27FC236}">
-                <a16:creationId xmlns="" xmlns:a16="http://schemas.microsoft.com/office/drawing/2014/main" id="{5ADE0D96-7C21-4589-BD0C-0F1AC3C6C7E7}"/>
+                <a16:creationId xmlns:a16="http://schemas.microsoft.com/office/drawing/2014/main" xmlns="" id="{5ADE0D96-7C21-4589-BD0C-0F1AC3C6C7E7}"/>
               </a:ext>
             </a:extLst>
           </p:cNvPr>
@@ -2870,7 +2870,7 @@
     </p:spTree>
     <p:extLst>
       <p:ext uri="{BB962C8B-B14F-4D97-AF65-F5344CB8AC3E}">
-        <p14:creationId xmlns="" xmlns:p14="http://schemas.microsoft.com/office/powerpoint/2010/main" val="2681145133"/>
+        <p14:creationId xmlns:p14="http://schemas.microsoft.com/office/powerpoint/2010/main" xmlns="" val="2681145133"/>
       </p:ext>
     </p:extLst>
   </p:cSld>
@@ -2924,7 +2924,7 @@
           <p:cNvPr id="5" name="Google Shape;362;p55">
             <a:extLst>
               <a:ext uri="{FF2B5EF4-FFF2-40B4-BE49-F238E27FC236}">
-                <a16:creationId xmlns:a16="http://schemas.microsoft.com/office/drawing/2014/main" xmlns="" id="{B194211E-B6CF-124C-A97F-843FC114B6E9}"/>
+                <a16:creationId xmlns="" xmlns:a16="http://schemas.microsoft.com/office/drawing/2014/main" id="{B194211E-B6CF-124C-A97F-843FC114B6E9}"/>
               </a:ext>
             </a:extLst>
           </p:cNvPr>
@@ -2936,7 +2936,7 @@
             <a:alphaModFix/>
             <a:extLst>
               <a:ext uri="{28A0092B-C50C-407E-A947-70E740481C1C}">
-                <a14:useLocalDpi xmlns:a14="http://schemas.microsoft.com/office/drawing/2010/main" xmlns=""/>
+                <a14:useLocalDpi xmlns="" xmlns:a14="http://schemas.microsoft.com/office/drawing/2010/main"/>
               </a:ext>
             </a:extLst>
           </a:blip>
@@ -2969,7 +2969,7 @@
           <a:blip r:embed="rId3" cstate="screen">
             <a:extLst>
               <a:ext uri="{28A0092B-C50C-407E-A947-70E740481C1C}">
-                <a14:useLocalDpi xmlns:a14="http://schemas.microsoft.com/office/drawing/2010/main" xmlns=""/>
+                <a14:useLocalDpi xmlns="" xmlns:a14="http://schemas.microsoft.com/office/drawing/2010/main"/>
               </a:ext>
             </a:extLst>
           </a:blip>
@@ -2992,7 +2992,7 @@
           <p:cNvPr id="4" name="Picture 3">
             <a:extLst>
               <a:ext uri="{FF2B5EF4-FFF2-40B4-BE49-F238E27FC236}">
-                <a16:creationId xmlns:a16="http://schemas.microsoft.com/office/drawing/2014/main" xmlns="" id="{CF2E9877-22A5-7E47-ACD2-1589BC5FEB7B}"/>
+                <a16:creationId xmlns="" xmlns:a16="http://schemas.microsoft.com/office/drawing/2014/main" id="{CF2E9877-22A5-7E47-ACD2-1589BC5FEB7B}"/>
               </a:ext>
             </a:extLst>
           </p:cNvPr>
@@ -3020,7 +3020,7 @@
     </p:spTree>
     <p:extLst>
       <p:ext uri="{BB962C8B-B14F-4D97-AF65-F5344CB8AC3E}">
-        <p14:creationId xmlns:p14="http://schemas.microsoft.com/office/powerpoint/2010/main" xmlns="" val="3956320057"/>
+        <p14:creationId xmlns="" xmlns:p14="http://schemas.microsoft.com/office/powerpoint/2010/main" val="3956320057"/>
       </p:ext>
     </p:extLst>
   </p:cSld>
@@ -5710,7 +5710,7 @@
     </p:spTree>
     <p:extLst>
       <p:ext uri="{BB962C8B-B14F-4D97-AF65-F5344CB8AC3E}">
-        <p14:creationId xmlns="" xmlns:p14="http://schemas.microsoft.com/office/powerpoint/2010/main" val="1452348287"/>
+        <p14:creationId xmlns:p14="http://schemas.microsoft.com/office/powerpoint/2010/main" xmlns="" val="1452348287"/>
       </p:ext>
     </p:extLst>
   </p:cSld>
@@ -5945,33 +5945,7 @@
                 <a:ea typeface="ＭＳ Ｐゴシック" charset="0"/>
                 <a:cs typeface="Calibri" pitchFamily="34" charset="0"/>
               </a:rPr>
-              <a:t>Jai pu apprendre et maitriser a travers ce projet </a:t>
-            </a:r>
-            <a:r>
-              <a:rPr lang="fr-FR" sz="2400" dirty="0" smtClean="0">
-                <a:solidFill>
-                  <a:schemeClr val="accent1">
-                    <a:lumMod val="75000"/>
-                  </a:schemeClr>
-                </a:solidFill>
-                <a:latin typeface="Centaur" pitchFamily="18" charset="0"/>
-                <a:ea typeface="ＭＳ Ｐゴシック" charset="0"/>
-                <a:cs typeface="Calibri" pitchFamily="34" charset="0"/>
-              </a:rPr>
-              <a:t>les </a:t>
-            </a:r>
-            <a:r>
-              <a:rPr lang="fr-FR" sz="2400" dirty="0" smtClean="0">
-                <a:solidFill>
-                  <a:schemeClr val="accent1">
-                    <a:lumMod val="75000"/>
-                  </a:schemeClr>
-                </a:solidFill>
-                <a:latin typeface="Centaur" pitchFamily="18" charset="0"/>
-                <a:ea typeface="ＭＳ Ｐゴシック" charset="0"/>
-                <a:cs typeface="Calibri" pitchFamily="34" charset="0"/>
-              </a:rPr>
-              <a:t>fondamentaux du testing en Java:</a:t>
+              <a:t>Jai pu apprendre et maitriser a travers ce projet les fondamentaux du testing en Java:</a:t>
             </a:r>
           </a:p>
           <a:p>
@@ -6108,7 +6082,7 @@
     </p:spTree>
     <p:extLst>
       <p:ext uri="{BB962C8B-B14F-4D97-AF65-F5344CB8AC3E}">
-        <p14:creationId xmlns:p14="http://schemas.microsoft.com/office/powerpoint/2010/main" xmlns="" val="4166242014"/>
+        <p14:creationId xmlns="" xmlns:p14="http://schemas.microsoft.com/office/powerpoint/2010/main" val="4166242014"/>
       </p:ext>
     </p:extLst>
   </p:cSld>
@@ -6319,59 +6293,7 @@
                 <a:ea typeface="Cambria" pitchFamily="18" charset="0"/>
                 <a:cs typeface="Times New Roman" pitchFamily="18" charset="0"/>
               </a:rPr>
-              <a:t>L</a:t>
-            </a:r>
-            <a:r>
-              <a:rPr lang="fr-FR" sz="2000" dirty="0" smtClean="0">
-                <a:solidFill>
-                  <a:schemeClr val="accent1">
-                    <a:lumMod val="75000"/>
-                  </a:schemeClr>
-                </a:solidFill>
-                <a:latin typeface="Century" pitchFamily="18" charset="0"/>
-                <a:ea typeface="Cambria" pitchFamily="18" charset="0"/>
-                <a:cs typeface="Times New Roman" pitchFamily="18" charset="0"/>
-              </a:rPr>
-              <a:t>es </a:t>
-            </a:r>
-            <a:r>
-              <a:rPr lang="fr-FR" sz="2000" dirty="0" smtClean="0">
-                <a:solidFill>
-                  <a:schemeClr val="accent1">
-                    <a:lumMod val="75000"/>
-                  </a:schemeClr>
-                </a:solidFill>
-                <a:latin typeface="Century" pitchFamily="18" charset="0"/>
-                <a:ea typeface="Cambria" pitchFamily="18" charset="0"/>
-                <a:cs typeface="Times New Roman" pitchFamily="18" charset="0"/>
-              </a:rPr>
-              <a:t>tests d'une application sont une phase très importante dans les cycles de  développement et de maintenance </a:t>
-            </a:r>
-            <a:r>
-              <a:rPr lang="fr-FR" sz="2000" dirty="0" smtClean="0">
-                <a:solidFill>
-                  <a:schemeClr val="accent1">
-                    <a:lumMod val="75000"/>
-                  </a:schemeClr>
-                </a:solidFill>
-                <a:latin typeface="Century" pitchFamily="18" charset="0"/>
-                <a:ea typeface="Cambria" pitchFamily="18" charset="0"/>
-                <a:cs typeface="Times New Roman" pitchFamily="18" charset="0"/>
-              </a:rPr>
-              <a:t>de l’application</a:t>
-            </a:r>
-            <a:r>
-              <a:rPr lang="fr-FR" sz="2000" dirty="0" smtClean="0">
-                <a:solidFill>
-                  <a:schemeClr val="accent1">
-                    <a:lumMod val="75000"/>
-                  </a:schemeClr>
-                </a:solidFill>
-                <a:latin typeface="Century" pitchFamily="18" charset="0"/>
-                <a:ea typeface="Cambria" pitchFamily="18" charset="0"/>
-                <a:cs typeface="Times New Roman" pitchFamily="18" charset="0"/>
-              </a:rPr>
-              <a:t>.</a:t>
+              <a:t>Les tests d'une application sont une phase très importante dans les cycles de  développement et de maintenance de l’application.</a:t>
             </a:r>
           </a:p>
           <a:p>
@@ -6510,7 +6432,7 @@
         <p:spPr>
           <a:xfrm>
             <a:off x="142876" y="1500174"/>
-            <a:ext cx="8929718" cy="3477875"/>
+            <a:ext cx="8929718" cy="3170099"/>
           </a:xfrm>
           <a:prstGeom prst="rect">
             <a:avLst/>
@@ -6534,8 +6456,11 @@
                 <a:ea typeface="Cambria" pitchFamily="18" charset="0"/>
                 <a:cs typeface="Times New Roman" pitchFamily="18" charset="0"/>
               </a:rPr>
-              <a:t>Un test unitaire permet de tester le bon fonctionnement d’une partie précise et ciblée d’un programme</a:t>
-            </a:r>
+              <a:t>Un test unitaire permet de tester le bon fonctionnement d’une partie précise et ciblée d’un programme.</a:t>
+            </a:r>
+          </a:p>
+          <a:p>
+            <a:pPr algn="just"/>
             <a:r>
               <a:rPr lang="fr-FR" sz="2000" dirty="0" smtClean="0">
                 <a:solidFill>
@@ -6547,36 +6472,7 @@
                 <a:ea typeface="Cambria" pitchFamily="18" charset="0"/>
                 <a:cs typeface="Times New Roman" pitchFamily="18" charset="0"/>
               </a:rPr>
-              <a:t>.</a:t>
-            </a:r>
-          </a:p>
-          <a:p>
-            <a:pPr algn="just"/>
-            <a:r>
-              <a:rPr lang="fr-FR" sz="2000" dirty="0" smtClean="0">
-                <a:solidFill>
-                  <a:schemeClr val="accent1">
-                    <a:lumMod val="75000"/>
-                  </a:schemeClr>
-                </a:solidFill>
-                <a:latin typeface="Century" pitchFamily="18" charset="0"/>
-                <a:ea typeface="Cambria" pitchFamily="18" charset="0"/>
-                <a:cs typeface="Times New Roman" pitchFamily="18" charset="0"/>
-              </a:rPr>
-              <a:t> </a:t>
-            </a:r>
-            <a:r>
-              <a:rPr lang="fr-FR" sz="2000" dirty="0" smtClean="0">
-                <a:solidFill>
-                  <a:schemeClr val="accent1">
-                    <a:lumMod val="75000"/>
-                  </a:schemeClr>
-                </a:solidFill>
-                <a:latin typeface="Century" pitchFamily="18" charset="0"/>
-                <a:ea typeface="Cambria" pitchFamily="18" charset="0"/>
-                <a:cs typeface="Times New Roman" pitchFamily="18" charset="0"/>
-              </a:rPr>
-              <a:t>Il permet de vérifier que le comportement d’une application est correct. </a:t>
+              <a:t> Il permet de vérifier que le comportement d’une application est correct. </a:t>
             </a:r>
           </a:p>
           <a:p>
@@ -6655,25 +6551,6 @@
               <a:ea typeface="Cambria" pitchFamily="18" charset="0"/>
               <a:cs typeface="Times New Roman" pitchFamily="18" charset="0"/>
             </a:endParaRPr>
-          </a:p>
-          <a:p>
-            <a:pPr lvl="2" algn="just">
-              <a:buFont typeface="Arial" pitchFamily="34" charset="0"/>
-              <a:buChar char="•"/>
-            </a:pPr>
-            <a:r>
-              <a:rPr lang="fr-FR" sz="2000" dirty="0" smtClean="0">
-                <a:solidFill>
-                  <a:schemeClr val="accent1">
-                    <a:lumMod val="75000"/>
-                  </a:schemeClr>
-                </a:solidFill>
-                <a:latin typeface="Century" pitchFamily="18" charset="0"/>
-                <a:ea typeface="Cambria" pitchFamily="18" charset="0"/>
-                <a:cs typeface="Times New Roman" pitchFamily="18" charset="0"/>
-              </a:rPr>
-              <a:t>ils rendent les applications facilement modifiables .</a:t>
-            </a:r>
           </a:p>
           <a:p>
             <a:endParaRPr lang="fr-FR" sz="2000" dirty="0" smtClean="0"/>
@@ -7128,33 +7005,7 @@
                 <a:ea typeface="Cambria" pitchFamily="18" charset="0"/>
                 <a:cs typeface="Times New Roman" pitchFamily="18" charset="0"/>
               </a:rPr>
-              <a:t>T</a:t>
-            </a:r>
-            <a:r>
-              <a:rPr lang="fr-FR" sz="2000" dirty="0" smtClean="0">
-                <a:solidFill>
-                  <a:schemeClr val="accent1">
-                    <a:lumMod val="75000"/>
-                  </a:schemeClr>
-                </a:solidFill>
-                <a:latin typeface="Century" pitchFamily="18" charset="0"/>
-                <a:ea typeface="Cambria" pitchFamily="18" charset="0"/>
-                <a:cs typeface="Times New Roman" pitchFamily="18" charset="0"/>
-              </a:rPr>
-              <a:t>ests </a:t>
-            </a:r>
-            <a:r>
-              <a:rPr lang="fr-FR" sz="2000" dirty="0" smtClean="0">
-                <a:solidFill>
-                  <a:schemeClr val="accent1">
-                    <a:lumMod val="75000"/>
-                  </a:schemeClr>
-                </a:solidFill>
-                <a:latin typeface="Century" pitchFamily="18" charset="0"/>
-                <a:ea typeface="Cambria" pitchFamily="18" charset="0"/>
-                <a:cs typeface="Times New Roman" pitchFamily="18" charset="0"/>
-              </a:rPr>
-              <a:t>fonctionnels, de régression, de performance ,de bout en bout </a:t>
+              <a:t>Tests fonctionnels, de régression, de performance ,de bout en bout </a:t>
             </a:r>
           </a:p>
           <a:p>
@@ -7360,111 +7211,7 @@
                 <a:ea typeface="Cambria" pitchFamily="18" charset="0"/>
                 <a:cs typeface="Times New Roman" pitchFamily="18" charset="0"/>
               </a:rPr>
-              <a:t>L</a:t>
-            </a:r>
-            <a:r>
-              <a:rPr lang="fr-FR" sz="2000" dirty="0" smtClean="0">
-                <a:solidFill>
-                  <a:schemeClr val="accent1">
-                    <a:lumMod val="75000"/>
-                  </a:schemeClr>
-                </a:solidFill>
-                <a:latin typeface="Century" pitchFamily="18" charset="0"/>
-                <a:ea typeface="Cambria" pitchFamily="18" charset="0"/>
-                <a:cs typeface="Times New Roman" pitchFamily="18" charset="0"/>
-              </a:rPr>
-              <a:t>e </a:t>
-            </a:r>
-            <a:r>
-              <a:rPr lang="fr-FR" sz="2000" dirty="0" smtClean="0">
-                <a:solidFill>
-                  <a:schemeClr val="accent1">
-                    <a:lumMod val="75000"/>
-                  </a:schemeClr>
-                </a:solidFill>
-                <a:latin typeface="Century" pitchFamily="18" charset="0"/>
-                <a:ea typeface="Cambria" pitchFamily="18" charset="0"/>
-                <a:cs typeface="Times New Roman" pitchFamily="18" charset="0"/>
-              </a:rPr>
-              <a:t>Framework Mockito qui </a:t>
-            </a:r>
-            <a:r>
-              <a:rPr lang="fr-FR" sz="2000" dirty="0" smtClean="0">
-                <a:solidFill>
-                  <a:schemeClr val="accent1">
-                    <a:lumMod val="75000"/>
-                  </a:schemeClr>
-                </a:solidFill>
-                <a:latin typeface="Century" pitchFamily="18" charset="0"/>
-                <a:ea typeface="Cambria" pitchFamily="18" charset="0"/>
-                <a:cs typeface="Times New Roman" pitchFamily="18" charset="0"/>
-              </a:rPr>
-              <a:t>s'interface </a:t>
-            </a:r>
-            <a:r>
-              <a:rPr lang="fr-FR" sz="2000" dirty="0" smtClean="0">
-                <a:solidFill>
-                  <a:schemeClr val="accent1">
-                    <a:lumMod val="75000"/>
-                  </a:schemeClr>
-                </a:solidFill>
-                <a:latin typeface="Century" pitchFamily="18" charset="0"/>
-                <a:ea typeface="Cambria" pitchFamily="18" charset="0"/>
-                <a:cs typeface="Times New Roman" pitchFamily="18" charset="0"/>
-              </a:rPr>
-              <a:t>avec JUnit et qui </a:t>
-            </a:r>
-            <a:r>
-              <a:rPr lang="fr-FR" sz="2000" dirty="0" smtClean="0">
-                <a:solidFill>
-                  <a:schemeClr val="accent1">
-                    <a:lumMod val="75000"/>
-                  </a:schemeClr>
-                </a:solidFill>
-                <a:latin typeface="Century" pitchFamily="18" charset="0"/>
-                <a:ea typeface="Cambria" pitchFamily="18" charset="0"/>
-                <a:cs typeface="Times New Roman" pitchFamily="18" charset="0"/>
-              </a:rPr>
-              <a:t>permet </a:t>
-            </a:r>
-            <a:r>
-              <a:rPr lang="fr-FR" sz="2000" dirty="0" smtClean="0">
-                <a:solidFill>
-                  <a:schemeClr val="accent1">
-                    <a:lumMod val="75000"/>
-                  </a:schemeClr>
-                </a:solidFill>
-                <a:latin typeface="Century" pitchFamily="18" charset="0"/>
-                <a:ea typeface="Cambria" pitchFamily="18" charset="0"/>
-                <a:cs typeface="Times New Roman" pitchFamily="18" charset="0"/>
-              </a:rPr>
-              <a:t>entre </a:t>
-            </a:r>
-            <a:r>
-              <a:rPr lang="fr-FR" sz="2000" dirty="0" smtClean="0">
-                <a:solidFill>
-                  <a:schemeClr val="accent1">
-                    <a:lumMod val="75000"/>
-                  </a:schemeClr>
-                </a:solidFill>
-                <a:latin typeface="Century" pitchFamily="18" charset="0"/>
-                <a:ea typeface="Cambria" pitchFamily="18" charset="0"/>
-                <a:cs typeface="Times New Roman" pitchFamily="18" charset="0"/>
-              </a:rPr>
-              <a:t>autre </a:t>
-            </a:r>
-            <a:r>
-              <a:rPr lang="fr-FR" sz="2000" dirty="0" smtClean="0">
-                <a:solidFill>
-                  <a:schemeClr val="accent1">
-                    <a:lumMod val="75000"/>
-                  </a:schemeClr>
-                </a:solidFill>
-                <a:latin typeface="Century" pitchFamily="18" charset="0"/>
-                <a:ea typeface="Cambria" pitchFamily="18" charset="0"/>
-                <a:cs typeface="Times New Roman" pitchFamily="18" charset="0"/>
-              </a:rPr>
-              <a:t>de faire des assertions sur des appels de méthodes et leurs arguments sans pour autant exécuter ces méthodes (grâce au principe du Mock).</a:t>
+              <a:t>Le Framework Mockito qui s'interface avec JUnit et qui permet entre autre de faire des assertions sur des appels de méthodes et leurs arguments sans pour autant exécuter ces méthodes (grâce au principe du Mock).</a:t>
             </a:r>
           </a:p>
           <a:p>
@@ -7699,33 +7446,7 @@
                 <a:ea typeface="Cambria" pitchFamily="18" charset="0"/>
                 <a:cs typeface="Times New Roman" pitchFamily="18" charset="0"/>
               </a:rPr>
-              <a:t>Dans la classe ParkingDataBaseIT:  on a </a:t>
-            </a:r>
-            <a:r>
-              <a:rPr lang="fr-FR" sz="2000" dirty="0" smtClean="0">
-                <a:solidFill>
-                  <a:schemeClr val="accent1">
-                    <a:lumMod val="75000"/>
-                  </a:schemeClr>
-                </a:solidFill>
-                <a:latin typeface="Century" pitchFamily="18" charset="0"/>
-                <a:ea typeface="Cambria" pitchFamily="18" charset="0"/>
-                <a:cs typeface="Times New Roman" pitchFamily="18" charset="0"/>
-              </a:rPr>
-              <a:t>complété </a:t>
-            </a:r>
-            <a:r>
-              <a:rPr lang="fr-FR" sz="2000" dirty="0" smtClean="0">
-                <a:solidFill>
-                  <a:schemeClr val="accent1">
-                    <a:lumMod val="75000"/>
-                  </a:schemeClr>
-                </a:solidFill>
-                <a:latin typeface="Century" pitchFamily="18" charset="0"/>
-                <a:ea typeface="Cambria" pitchFamily="18" charset="0"/>
-                <a:cs typeface="Times New Roman" pitchFamily="18" charset="0"/>
-              </a:rPr>
-              <a:t>les tests d intégrations marqués avec des commentaires "TODO"</a:t>
+              <a:t>Dans la classe ParkingDataBaseIT:  on a complété les tests d intégrations marqués avec des commentaires "TODO"</a:t>
             </a:r>
           </a:p>
           <a:p>
@@ -7757,46 +7478,7 @@
                 <a:ea typeface="Cambria" pitchFamily="18" charset="0"/>
                 <a:cs typeface="Times New Roman" pitchFamily="18" charset="0"/>
               </a:rPr>
-              <a:t>L' </a:t>
-            </a:r>
-            <a:r>
-              <a:rPr lang="fr-FR" sz="2000" dirty="0" smtClean="0">
-                <a:solidFill>
-                  <a:schemeClr val="accent1">
-                    <a:lumMod val="75000"/>
-                  </a:schemeClr>
-                </a:solidFill>
-                <a:latin typeface="Century" pitchFamily="18" charset="0"/>
-                <a:ea typeface="Cambria" pitchFamily="18" charset="0"/>
-                <a:cs typeface="Times New Roman" pitchFamily="18" charset="0"/>
-              </a:rPr>
-              <a:t>ajout d un test d intégration dans la méthode testParkingACar() </a:t>
-            </a:r>
-            <a:r>
-              <a:rPr lang="fr-FR" sz="2000" dirty="0" smtClean="0">
-                <a:solidFill>
-                  <a:schemeClr val="accent1">
-                    <a:lumMod val="75000"/>
-                  </a:schemeClr>
-                </a:solidFill>
-                <a:latin typeface="Century" pitchFamily="18" charset="0"/>
-                <a:ea typeface="Cambria" pitchFamily="18" charset="0"/>
-                <a:cs typeface="Times New Roman" pitchFamily="18" charset="0"/>
-              </a:rPr>
-              <a:t>va </a:t>
-            </a:r>
-            <a:r>
-              <a:rPr lang="fr-FR" sz="2000" dirty="0" smtClean="0">
-                <a:solidFill>
-                  <a:schemeClr val="accent1">
-                    <a:lumMod val="75000"/>
-                  </a:schemeClr>
-                </a:solidFill>
-                <a:latin typeface="Century" pitchFamily="18" charset="0"/>
-                <a:ea typeface="Cambria" pitchFamily="18" charset="0"/>
-                <a:cs typeface="Times New Roman" pitchFamily="18" charset="0"/>
-              </a:rPr>
-              <a:t>vérifier qu'un ticket est effectivement enregistré dans la base de données et que la table de stationnement est mise à jour avec la disponibilité. </a:t>
+              <a:t>L' ajout d un test d intégration dans la méthode testParkingACar() va vérifier qu'un ticket est effectivement enregistré dans la base de données et que la table de stationnement est mise à jour avec la disponibilité. </a:t>
             </a:r>
           </a:p>
           <a:p>
@@ -7831,33 +7513,7 @@
                 <a:ea typeface="Cambria" pitchFamily="18" charset="0"/>
                 <a:cs typeface="Times New Roman" pitchFamily="18" charset="0"/>
               </a:rPr>
-              <a:t>L'ajout d un test d intégration  dans la méthode testParkingLotExit() </a:t>
-            </a:r>
-            <a:r>
-              <a:rPr lang="fr-FR" sz="2000" dirty="0" smtClean="0">
-                <a:solidFill>
-                  <a:schemeClr val="accent1">
-                    <a:lumMod val="75000"/>
-                  </a:schemeClr>
-                </a:solidFill>
-                <a:latin typeface="Century" pitchFamily="18" charset="0"/>
-                <a:ea typeface="Cambria" pitchFamily="18" charset="0"/>
-                <a:cs typeface="Times New Roman" pitchFamily="18" charset="0"/>
-              </a:rPr>
-              <a:t>va </a:t>
-            </a:r>
-            <a:r>
-              <a:rPr lang="fr-FR" sz="2000" dirty="0" smtClean="0">
-                <a:solidFill>
-                  <a:schemeClr val="accent1">
-                    <a:lumMod val="75000"/>
-                  </a:schemeClr>
-                </a:solidFill>
-                <a:latin typeface="Century" pitchFamily="18" charset="0"/>
-                <a:ea typeface="Cambria" pitchFamily="18" charset="0"/>
-                <a:cs typeface="Times New Roman" pitchFamily="18" charset="0"/>
-              </a:rPr>
-              <a:t>vérifier que le tarif généré et l'heure de sortie sont correctement renseignés dans la base. </a:t>
+              <a:t>L'ajout d un test d intégration  dans la méthode testParkingLotExit() va vérifier que le tarif généré et l'heure de sortie sont correctement renseignés dans la base. </a:t>
             </a:r>
           </a:p>
         </p:txBody>
@@ -8005,59 +7661,7 @@
                 <a:ea typeface="Cambria" pitchFamily="18" charset="0"/>
                 <a:cs typeface="Times New Roman" pitchFamily="18" charset="0"/>
               </a:rPr>
-              <a:t>Ecrire le test unitaire qui vérifie que quand un utilisateur entre dans le parking après avoir entré son numéro de plaque d'immatriculation </a:t>
-            </a:r>
-            <a:r>
-              <a:rPr lang="fr-FR" sz="2000" dirty="0" smtClean="0">
-                <a:solidFill>
-                  <a:schemeClr val="accent1">
-                    <a:lumMod val="75000"/>
-                  </a:schemeClr>
-                </a:solidFill>
-                <a:latin typeface="Century" pitchFamily="18" charset="0"/>
-                <a:ea typeface="Cambria" pitchFamily="18" charset="0"/>
-                <a:cs typeface="Times New Roman" pitchFamily="18" charset="0"/>
-              </a:rPr>
-              <a:t>. </a:t>
-            </a:r>
-            <a:r>
-              <a:rPr lang="fr-FR" sz="2000" dirty="0" smtClean="0">
-                <a:solidFill>
-                  <a:schemeClr val="accent1">
-                    <a:lumMod val="75000"/>
-                  </a:schemeClr>
-                </a:solidFill>
-                <a:latin typeface="Century" pitchFamily="18" charset="0"/>
-                <a:ea typeface="Cambria" pitchFamily="18" charset="0"/>
-                <a:cs typeface="Times New Roman" pitchFamily="18" charset="0"/>
-              </a:rPr>
-              <a:t>L'usager sort du parking en donnant à nouveau son numéro de </a:t>
-            </a:r>
-            <a:r>
-              <a:rPr lang="fr-FR" sz="2000" dirty="0" smtClean="0">
-                <a:solidFill>
-                  <a:schemeClr val="accent1">
-                    <a:lumMod val="75000"/>
-                  </a:schemeClr>
-                </a:solidFill>
-                <a:latin typeface="Century" pitchFamily="18" charset="0"/>
-                <a:ea typeface="Cambria" pitchFamily="18" charset="0"/>
-                <a:cs typeface="Times New Roman" pitchFamily="18" charset="0"/>
-              </a:rPr>
-              <a:t>plaque; s’il  </a:t>
-            </a:r>
-            <a:r>
-              <a:rPr lang="fr-FR" sz="2000" dirty="0" smtClean="0">
-                <a:solidFill>
-                  <a:schemeClr val="accent1">
-                    <a:lumMod val="75000"/>
-                  </a:schemeClr>
-                </a:solidFill>
-                <a:latin typeface="Century" pitchFamily="18" charset="0"/>
-                <a:ea typeface="Cambria" pitchFamily="18" charset="0"/>
-                <a:cs typeface="Times New Roman" pitchFamily="18" charset="0"/>
-              </a:rPr>
-              <a:t>reste moins de 30 minutes, il n’a  rien à payer. Les frais devraient être de 0.</a:t>
+              <a:t>Ecrire le test unitaire qui vérifie que quand un utilisateur entre dans le parking après avoir entré son numéro de plaque d'immatriculation . L'usager sort du parking en donnant à nouveau son numéro de plaque; s’il  reste moins de 30 minutes, il n’a  rien à payer. Les frais devraient être de 0.</a:t>
             </a:r>
           </a:p>
           <a:p>
@@ -8367,20 +7971,7 @@
                 <a:ea typeface="ＭＳ Ｐゴシック" charset="0"/>
                 <a:cs typeface="Calibri" pitchFamily="34" charset="0"/>
               </a:rPr>
-              <a:t>Difficultés </a:t>
-            </a:r>
-            <a:r>
-              <a:rPr lang="fr-FR" sz="2400" dirty="0" smtClean="0">
-                <a:solidFill>
-                  <a:schemeClr val="accent1">
-                    <a:lumMod val="75000"/>
-                  </a:schemeClr>
-                </a:solidFill>
-                <a:latin typeface="Centaur" pitchFamily="18" charset="0"/>
-                <a:ea typeface="ＭＳ Ｐゴシック" charset="0"/>
-                <a:cs typeface="Calibri" pitchFamily="34" charset="0"/>
-              </a:rPr>
-              <a:t>à comprendre le besoin au début surtout si  c'est la première fois qu’ on utilise le testing en java.</a:t>
+              <a:t>Difficultés à comprendre le besoin au début surtout si  c'est la première fois qu’ on utilise le testing en java.</a:t>
             </a:r>
           </a:p>
           <a:p>
